--- a/Car Logo Tracker.pptx
+++ b/Car Logo Tracker.pptx
@@ -231,7 +231,7 @@
           <a:p>
             <a:fld id="{928C5F36-6EC9-4335-B5CD-E813169E6410}" type="datetimeFigureOut">
               <a:rPr lang="sr-Cyrl-RS" smtClean="0"/>
-              <a:t>16.12.2015</a:t>
+              <a:t>11.2.2016</a:t>
             </a:fld>
             <a:endParaRPr lang="sr-Cyrl-RS"/>
           </a:p>
@@ -345,11 +345,11 @@
   <p:clrMapOvr>
     <a:masterClrMapping/>
   </p:clrMapOvr>
-  <mc:AlternateContent xmlns:mc="http://schemas.openxmlformats.org/markup-compatibility/2006">
-    <mc:Choice xmlns:p14="http://schemas.microsoft.com/office/powerpoint/2010/main" Requires="p14">
+  <mc:AlternateContent xmlns:mc="http://schemas.openxmlformats.org/markup-compatibility/2006" xmlns:p14="http://schemas.microsoft.com/office/powerpoint/2010/main">
+    <mc:Choice Requires="p14">
       <p:transition spd="slow" p14:dur="2000"/>
     </mc:Choice>
-    <mc:Fallback>
+    <mc:Fallback xmlns="">
       <p:transition spd="slow"/>
     </mc:Fallback>
   </mc:AlternateContent>
@@ -465,7 +465,7 @@
           <a:p>
             <a:fld id="{928C5F36-6EC9-4335-B5CD-E813169E6410}" type="datetimeFigureOut">
               <a:rPr lang="sr-Cyrl-RS" smtClean="0"/>
-              <a:t>16.12.2015</a:t>
+              <a:t>11.2.2016</a:t>
             </a:fld>
             <a:endParaRPr lang="sr-Cyrl-RS"/>
           </a:p>
@@ -518,11 +518,11 @@
   <p:clrMapOvr>
     <a:masterClrMapping/>
   </p:clrMapOvr>
-  <mc:AlternateContent xmlns:mc="http://schemas.openxmlformats.org/markup-compatibility/2006">
-    <mc:Choice xmlns:p14="http://schemas.microsoft.com/office/powerpoint/2010/main" Requires="p14">
+  <mc:AlternateContent xmlns:mc="http://schemas.openxmlformats.org/markup-compatibility/2006" xmlns:p14="http://schemas.microsoft.com/office/powerpoint/2010/main">
+    <mc:Choice Requires="p14">
       <p:transition spd="slow" p14:dur="2000"/>
     </mc:Choice>
-    <mc:Fallback>
+    <mc:Fallback xmlns="">
       <p:transition spd="slow"/>
     </mc:Fallback>
   </mc:AlternateContent>
@@ -648,7 +648,7 @@
           <a:p>
             <a:fld id="{928C5F36-6EC9-4335-B5CD-E813169E6410}" type="datetimeFigureOut">
               <a:rPr lang="sr-Cyrl-RS" smtClean="0"/>
-              <a:t>16.12.2015</a:t>
+              <a:t>11.2.2016</a:t>
             </a:fld>
             <a:endParaRPr lang="sr-Cyrl-RS"/>
           </a:p>
@@ -701,11 +701,11 @@
   <p:clrMapOvr>
     <a:masterClrMapping/>
   </p:clrMapOvr>
-  <mc:AlternateContent xmlns:mc="http://schemas.openxmlformats.org/markup-compatibility/2006">
-    <mc:Choice xmlns:p14="http://schemas.microsoft.com/office/powerpoint/2010/main" Requires="p14">
+  <mc:AlternateContent xmlns:mc="http://schemas.openxmlformats.org/markup-compatibility/2006" xmlns:p14="http://schemas.microsoft.com/office/powerpoint/2010/main">
+    <mc:Choice Requires="p14">
       <p:transition spd="slow" p14:dur="2000"/>
     </mc:Choice>
-    <mc:Fallback>
+    <mc:Fallback xmlns="">
       <p:transition spd="slow"/>
     </mc:Fallback>
   </mc:AlternateContent>
@@ -821,7 +821,7 @@
           <a:p>
             <a:fld id="{928C5F36-6EC9-4335-B5CD-E813169E6410}" type="datetimeFigureOut">
               <a:rPr lang="sr-Cyrl-RS" smtClean="0"/>
-              <a:t>16.12.2015</a:t>
+              <a:t>11.2.2016</a:t>
             </a:fld>
             <a:endParaRPr lang="sr-Cyrl-RS"/>
           </a:p>
@@ -874,11 +874,11 @@
   <p:clrMapOvr>
     <a:masterClrMapping/>
   </p:clrMapOvr>
-  <mc:AlternateContent xmlns:mc="http://schemas.openxmlformats.org/markup-compatibility/2006">
-    <mc:Choice xmlns:p14="http://schemas.microsoft.com/office/powerpoint/2010/main" Requires="p14">
+  <mc:AlternateContent xmlns:mc="http://schemas.openxmlformats.org/markup-compatibility/2006" xmlns:p14="http://schemas.microsoft.com/office/powerpoint/2010/main">
+    <mc:Choice Requires="p14">
       <p:transition spd="slow" p14:dur="2000"/>
     </mc:Choice>
-    <mc:Fallback>
+    <mc:Fallback xmlns="">
       <p:transition spd="slow"/>
     </mc:Fallback>
   </mc:AlternateContent>
@@ -1068,7 +1068,7 @@
           <a:p>
             <a:fld id="{928C5F36-6EC9-4335-B5CD-E813169E6410}" type="datetimeFigureOut">
               <a:rPr lang="sr-Cyrl-RS" smtClean="0"/>
-              <a:t>16.12.2015</a:t>
+              <a:t>11.2.2016</a:t>
             </a:fld>
             <a:endParaRPr lang="sr-Cyrl-RS"/>
           </a:p>
@@ -1126,11 +1126,11 @@
   <p:clrMapOvr>
     <a:overrideClrMapping bg1="dk1" tx1="lt1" bg2="dk2" tx2="lt2" accent1="accent1" accent2="accent2" accent3="accent3" accent4="accent4" accent5="accent5" accent6="accent6" hlink="hlink" folHlink="folHlink"/>
   </p:clrMapOvr>
-  <mc:AlternateContent xmlns:mc="http://schemas.openxmlformats.org/markup-compatibility/2006">
-    <mc:Choice xmlns:p14="http://schemas.microsoft.com/office/powerpoint/2010/main" Requires="p14">
+  <mc:AlternateContent xmlns:mc="http://schemas.openxmlformats.org/markup-compatibility/2006" xmlns:p14="http://schemas.microsoft.com/office/powerpoint/2010/main">
+    <mc:Choice Requires="p14">
       <p:transition spd="slow" p14:dur="2000"/>
     </mc:Choice>
-    <mc:Fallback>
+    <mc:Fallback xmlns="">
       <p:transition spd="slow"/>
     </mc:Fallback>
   </mc:AlternateContent>
@@ -1340,7 +1340,7 @@
           <a:p>
             <a:fld id="{928C5F36-6EC9-4335-B5CD-E813169E6410}" type="datetimeFigureOut">
               <a:rPr lang="sr-Cyrl-RS" smtClean="0"/>
-              <a:t>16.12.2015</a:t>
+              <a:t>11.2.2016</a:t>
             </a:fld>
             <a:endParaRPr lang="sr-Cyrl-RS"/>
           </a:p>
@@ -1393,11 +1393,11 @@
   <p:clrMapOvr>
     <a:masterClrMapping/>
   </p:clrMapOvr>
-  <mc:AlternateContent xmlns:mc="http://schemas.openxmlformats.org/markup-compatibility/2006">
-    <mc:Choice xmlns:p14="http://schemas.microsoft.com/office/powerpoint/2010/main" Requires="p14">
+  <mc:AlternateContent xmlns:mc="http://schemas.openxmlformats.org/markup-compatibility/2006" xmlns:p14="http://schemas.microsoft.com/office/powerpoint/2010/main">
+    <mc:Choice Requires="p14">
       <p:transition spd="slow" p14:dur="2000"/>
     </mc:Choice>
-    <mc:Fallback>
+    <mc:Fallback xmlns="">
       <p:transition spd="slow"/>
     </mc:Fallback>
   </mc:AlternateContent>
@@ -1722,7 +1722,7 @@
           <a:p>
             <a:fld id="{928C5F36-6EC9-4335-B5CD-E813169E6410}" type="datetimeFigureOut">
               <a:rPr lang="sr-Cyrl-RS" smtClean="0"/>
-              <a:t>16.12.2015</a:t>
+              <a:t>11.2.2016</a:t>
             </a:fld>
             <a:endParaRPr lang="sr-Cyrl-RS"/>
           </a:p>
@@ -1775,11 +1775,11 @@
   <p:clrMapOvr>
     <a:masterClrMapping/>
   </p:clrMapOvr>
-  <mc:AlternateContent xmlns:mc="http://schemas.openxmlformats.org/markup-compatibility/2006">
-    <mc:Choice xmlns:p14="http://schemas.microsoft.com/office/powerpoint/2010/main" Requires="p14">
+  <mc:AlternateContent xmlns:mc="http://schemas.openxmlformats.org/markup-compatibility/2006" xmlns:p14="http://schemas.microsoft.com/office/powerpoint/2010/main">
+    <mc:Choice Requires="p14">
       <p:transition spd="slow" p14:dur="2000"/>
     </mc:Choice>
-    <mc:Fallback>
+    <mc:Fallback xmlns="">
       <p:transition spd="slow"/>
     </mc:Fallback>
   </mc:AlternateContent>
@@ -1843,7 +1843,7 @@
           <a:p>
             <a:fld id="{928C5F36-6EC9-4335-B5CD-E813169E6410}" type="datetimeFigureOut">
               <a:rPr lang="sr-Cyrl-RS" smtClean="0"/>
-              <a:t>16.12.2015</a:t>
+              <a:t>11.2.2016</a:t>
             </a:fld>
             <a:endParaRPr lang="sr-Cyrl-RS"/>
           </a:p>
@@ -1896,11 +1896,11 @@
   <p:clrMapOvr>
     <a:masterClrMapping/>
   </p:clrMapOvr>
-  <mc:AlternateContent xmlns:mc="http://schemas.openxmlformats.org/markup-compatibility/2006">
-    <mc:Choice xmlns:p14="http://schemas.microsoft.com/office/powerpoint/2010/main" Requires="p14">
+  <mc:AlternateContent xmlns:mc="http://schemas.openxmlformats.org/markup-compatibility/2006" xmlns:p14="http://schemas.microsoft.com/office/powerpoint/2010/main">
+    <mc:Choice Requires="p14">
       <p:transition spd="slow" p14:dur="2000"/>
     </mc:Choice>
-    <mc:Fallback>
+    <mc:Fallback xmlns="">
       <p:transition spd="slow"/>
     </mc:Fallback>
   </mc:AlternateContent>
@@ -1941,7 +1941,7 @@
           <a:p>
             <a:fld id="{928C5F36-6EC9-4335-B5CD-E813169E6410}" type="datetimeFigureOut">
               <a:rPr lang="sr-Cyrl-RS" smtClean="0"/>
-              <a:t>16.12.2015</a:t>
+              <a:t>11.2.2016</a:t>
             </a:fld>
             <a:endParaRPr lang="sr-Cyrl-RS"/>
           </a:p>
@@ -1994,11 +1994,11 @@
   <p:clrMapOvr>
     <a:masterClrMapping/>
   </p:clrMapOvr>
-  <mc:AlternateContent xmlns:mc="http://schemas.openxmlformats.org/markup-compatibility/2006">
-    <mc:Choice xmlns:p14="http://schemas.microsoft.com/office/powerpoint/2010/main" Requires="p14">
+  <mc:AlternateContent xmlns:mc="http://schemas.openxmlformats.org/markup-compatibility/2006" xmlns:p14="http://schemas.microsoft.com/office/powerpoint/2010/main">
+    <mc:Choice Requires="p14">
       <p:transition spd="slow" p14:dur="2000"/>
     </mc:Choice>
-    <mc:Fallback>
+    <mc:Fallback xmlns="">
       <p:transition spd="slow"/>
     </mc:Fallback>
   </mc:AlternateContent>
@@ -2207,7 +2207,7 @@
           <a:p>
             <a:fld id="{928C5F36-6EC9-4335-B5CD-E813169E6410}" type="datetimeFigureOut">
               <a:rPr lang="sr-Cyrl-RS" smtClean="0"/>
-              <a:t>16.12.2015</a:t>
+              <a:t>11.2.2016</a:t>
             </a:fld>
             <a:endParaRPr lang="sr-Cyrl-RS"/>
           </a:p>
@@ -2260,11 +2260,11 @@
   <p:clrMapOvr>
     <a:masterClrMapping/>
   </p:clrMapOvr>
-  <mc:AlternateContent xmlns:mc="http://schemas.openxmlformats.org/markup-compatibility/2006">
-    <mc:Choice xmlns:p14="http://schemas.microsoft.com/office/powerpoint/2010/main" Requires="p14">
+  <mc:AlternateContent xmlns:mc="http://schemas.openxmlformats.org/markup-compatibility/2006" xmlns:p14="http://schemas.microsoft.com/office/powerpoint/2010/main">
+    <mc:Choice Requires="p14">
       <p:transition spd="slow" p14:dur="2000"/>
     </mc:Choice>
-    <mc:Fallback>
+    <mc:Fallback xmlns="">
       <p:transition spd="slow"/>
     </mc:Fallback>
   </mc:AlternateContent>
@@ -2479,7 +2479,7 @@
           <a:p>
             <a:fld id="{928C5F36-6EC9-4335-B5CD-E813169E6410}" type="datetimeFigureOut">
               <a:rPr lang="sr-Cyrl-RS" smtClean="0"/>
-              <a:t>16.12.2015</a:t>
+              <a:t>11.2.2016</a:t>
             </a:fld>
             <a:endParaRPr lang="sr-Cyrl-RS"/>
           </a:p>
@@ -2532,11 +2532,11 @@
   <p:clrMapOvr>
     <a:masterClrMapping/>
   </p:clrMapOvr>
-  <mc:AlternateContent xmlns:mc="http://schemas.openxmlformats.org/markup-compatibility/2006">
-    <mc:Choice xmlns:p14="http://schemas.microsoft.com/office/powerpoint/2010/main" Requires="p14">
+  <mc:AlternateContent xmlns:mc="http://schemas.openxmlformats.org/markup-compatibility/2006" xmlns:p14="http://schemas.microsoft.com/office/powerpoint/2010/main">
+    <mc:Choice Requires="p14">
       <p:transition spd="slow" p14:dur="2000"/>
     </mc:Choice>
-    <mc:Fallback>
+    <mc:Fallback xmlns="">
       <p:transition spd="slow"/>
     </mc:Fallback>
   </mc:AlternateContent>
@@ -2713,7 +2713,7 @@
           <a:p>
             <a:fld id="{928C5F36-6EC9-4335-B5CD-E813169E6410}" type="datetimeFigureOut">
               <a:rPr lang="sr-Cyrl-RS" smtClean="0"/>
-              <a:t>16.12.2015</a:t>
+              <a:t>11.2.2016</a:t>
             </a:fld>
             <a:endParaRPr lang="sr-Cyrl-RS"/>
           </a:p>
@@ -2813,11 +2813,11 @@
     <p:sldLayoutId id="2147483706" r:id="rId10"/>
     <p:sldLayoutId id="2147483707" r:id="rId11"/>
   </p:sldLayoutIdLst>
-  <mc:AlternateContent xmlns:mc="http://schemas.openxmlformats.org/markup-compatibility/2006">
-    <mc:Choice xmlns:p14="http://schemas.microsoft.com/office/powerpoint/2010/main" Requires="p14">
+  <mc:AlternateContent xmlns:mc="http://schemas.openxmlformats.org/markup-compatibility/2006" xmlns:p14="http://schemas.microsoft.com/office/powerpoint/2010/main">
+    <mc:Choice Requires="p14">
       <p:transition spd="slow" p14:dur="2000"/>
     </mc:Choice>
-    <mc:Fallback>
+    <mc:Fallback xmlns="">
       <p:transition spd="slow"/>
     </mc:Fallback>
   </mc:AlternateContent>
@@ -3179,7 +3179,15 @@
                   <a:schemeClr val="tx1"/>
                 </a:solidFill>
               </a:rPr>
-              <a:t>Car Logo Tracker</a:t>
+              <a:t>Car Logo </a:t>
+            </a:r>
+            <a:r>
+              <a:rPr lang="en-US" cap="none" dirty="0" smtClean="0">
+                <a:solidFill>
+                  <a:schemeClr val="tx1"/>
+                </a:solidFill>
+              </a:rPr>
+              <a:t>Detector</a:t>
             </a:r>
             <a:endParaRPr lang="sr-Cyrl-RS" cap="none" dirty="0">
               <a:solidFill>
@@ -3253,11 +3261,11 @@
   <p:clrMapOvr>
     <a:masterClrMapping/>
   </p:clrMapOvr>
-  <mc:AlternateContent xmlns:mc="http://schemas.openxmlformats.org/markup-compatibility/2006">
-    <mc:Choice xmlns:p14="http://schemas.microsoft.com/office/powerpoint/2010/main" Requires="p14">
+  <mc:AlternateContent xmlns:mc="http://schemas.openxmlformats.org/markup-compatibility/2006" xmlns:p14="http://schemas.microsoft.com/office/powerpoint/2010/main">
+    <mc:Choice Requires="p14">
       <p:transition spd="slow" p14:dur="2000"/>
     </mc:Choice>
-    <mc:Fallback>
+    <mc:Fallback xmlns="">
       <p:transition spd="slow"/>
     </mc:Fallback>
   </mc:AlternateContent>
@@ -3337,11 +3345,7 @@
           <a:p>
             <a:r>
               <a:rPr lang="sr-Cyrl-RS" sz="2400" dirty="0" smtClean="0"/>
-              <a:t>Препознавање </a:t>
-            </a:r>
-            <a:r>
-              <a:rPr lang="sr-Cyrl-RS" sz="2400" dirty="0" smtClean="0"/>
-              <a:t>логоа на слици</a:t>
+              <a:t>Препознавање логоа на слици</a:t>
             </a:r>
           </a:p>
           <a:p>
@@ -3353,22 +3357,14 @@
           <a:p>
             <a:r>
               <a:rPr lang="sr-Cyrl-RS" sz="2400" dirty="0" smtClean="0"/>
-              <a:t>Обрада </a:t>
-            </a:r>
+              <a:t>Обрада региона</a:t>
+            </a:r>
+            <a:endParaRPr lang="sr-Cyrl-RS" sz="2000" dirty="0" smtClean="0"/>
+          </a:p>
+          <a:p>
             <a:r>
               <a:rPr lang="sr-Cyrl-RS" sz="2400" dirty="0" smtClean="0"/>
-              <a:t>региона</a:t>
-            </a:r>
-            <a:endParaRPr lang="sr-Cyrl-RS" sz="2000" dirty="0" smtClean="0"/>
-          </a:p>
-          <a:p>
-            <a:r>
-              <a:rPr lang="sr-Cyrl-RS" sz="2400" dirty="0" smtClean="0"/>
-              <a:t>Препознавање </a:t>
-            </a:r>
-            <a:r>
-              <a:rPr lang="sr-Cyrl-RS" sz="2400" dirty="0" smtClean="0"/>
-              <a:t>марке аутомобила</a:t>
+              <a:t>Препознавање марке аутомобила</a:t>
             </a:r>
           </a:p>
           <a:p>
@@ -3387,11 +3383,11 @@
   <p:clrMapOvr>
     <a:masterClrMapping/>
   </p:clrMapOvr>
-  <mc:AlternateContent xmlns:mc="http://schemas.openxmlformats.org/markup-compatibility/2006">
-    <mc:Choice xmlns:p14="http://schemas.microsoft.com/office/powerpoint/2010/main" Requires="p14">
+  <mc:AlternateContent xmlns:mc="http://schemas.openxmlformats.org/markup-compatibility/2006" xmlns:p14="http://schemas.microsoft.com/office/powerpoint/2010/main">
+    <mc:Choice Requires="p14">
       <p:transition spd="slow" p14:dur="2000"/>
     </mc:Choice>
-    <mc:Fallback>
+    <mc:Fallback xmlns="">
       <p:transition spd="slow"/>
     </mc:Fallback>
   </mc:AlternateContent>
@@ -3527,11 +3523,11 @@
   <p:clrMapOvr>
     <a:masterClrMapping/>
   </p:clrMapOvr>
-  <mc:AlternateContent xmlns:mc="http://schemas.openxmlformats.org/markup-compatibility/2006">
-    <mc:Choice xmlns:p14="http://schemas.microsoft.com/office/powerpoint/2010/main" Requires="p14">
+  <mc:AlternateContent xmlns:mc="http://schemas.openxmlformats.org/markup-compatibility/2006" xmlns:p14="http://schemas.microsoft.com/office/powerpoint/2010/main">
+    <mc:Choice Requires="p14">
       <p:transition spd="slow" p14:dur="2000"/>
     </mc:Choice>
-    <mc:Fallback>
+    <mc:Fallback xmlns="">
       <p:transition spd="slow"/>
     </mc:Fallback>
   </mc:AlternateContent>
@@ -3659,11 +3655,11 @@
   <p:clrMapOvr>
     <a:masterClrMapping/>
   </p:clrMapOvr>
-  <mc:AlternateContent xmlns:mc="http://schemas.openxmlformats.org/markup-compatibility/2006">
-    <mc:Choice xmlns:p14="http://schemas.microsoft.com/office/powerpoint/2010/main" Requires="p14">
+  <mc:AlternateContent xmlns:mc="http://schemas.openxmlformats.org/markup-compatibility/2006" xmlns:p14="http://schemas.microsoft.com/office/powerpoint/2010/main">
+    <mc:Choice Requires="p14">
       <p:transition spd="slow" p14:dur="2000"/>
     </mc:Choice>
-    <mc:Fallback>
+    <mc:Fallback xmlns="">
       <p:transition spd="slow"/>
     </mc:Fallback>
   </mc:AlternateContent>
@@ -3802,11 +3798,11 @@
   <p:clrMapOvr>
     <a:masterClrMapping/>
   </p:clrMapOvr>
-  <mc:AlternateContent xmlns:mc="http://schemas.openxmlformats.org/markup-compatibility/2006">
-    <mc:Choice xmlns:p14="http://schemas.microsoft.com/office/powerpoint/2010/main" Requires="p14">
+  <mc:AlternateContent xmlns:mc="http://schemas.openxmlformats.org/markup-compatibility/2006" xmlns:p14="http://schemas.microsoft.com/office/powerpoint/2010/main">
+    <mc:Choice Requires="p14">
       <p:transition spd="slow" p14:dur="2000"/>
     </mc:Choice>
-    <mc:Fallback>
+    <mc:Fallback xmlns="">
       <p:transition spd="slow"/>
     </mc:Fallback>
   </mc:AlternateContent>
@@ -3904,11 +3900,11 @@
   <p:clrMapOvr>
     <a:masterClrMapping/>
   </p:clrMapOvr>
-  <mc:AlternateContent xmlns:mc="http://schemas.openxmlformats.org/markup-compatibility/2006">
-    <mc:Choice xmlns:p14="http://schemas.microsoft.com/office/powerpoint/2010/main" Requires="p14">
+  <mc:AlternateContent xmlns:mc="http://schemas.openxmlformats.org/markup-compatibility/2006" xmlns:p14="http://schemas.microsoft.com/office/powerpoint/2010/main">
+    <mc:Choice Requires="p14">
       <p:transition spd="slow" p14:dur="2000"/>
     </mc:Choice>
-    <mc:Fallback>
+    <mc:Fallback xmlns="">
       <p:transition spd="slow"/>
     </mc:Fallback>
   </mc:AlternateContent>
@@ -3987,13 +3983,14 @@
           <a:p>
             <a:r>
               <a:rPr lang="sr-Cyrl-RS" sz="2400" dirty="0" smtClean="0"/>
-              <a:t>На слици на којој се налази аутомобил, пронаћи и издвојити лого и на основу њега препознати марку аутомобила.</a:t>
-            </a:r>
-          </a:p>
-          <a:p>
-            <a:r>
-              <a:rPr lang="sr-Cyrl-RS" sz="2400" dirty="0" smtClean="0"/>
-              <a:t>Пронаћи најбољу могућу методу за обраду издвојених региона са логоом.</a:t>
+              <a:t>Помоћу слике на којој се налази лого аутомобила препознати марку аутомобила</a:t>
+            </a:r>
+            <a:endParaRPr lang="sr-Cyrl-RS" sz="2400" dirty="0" smtClean="0"/>
+          </a:p>
+          <a:p>
+            <a:r>
+              <a:rPr lang="sr-Cyrl-RS" sz="2400" smtClean="0"/>
+              <a:t>Пронаћи и имплементирати одговарајући алгоритам за поређење тражене слике са сликама из датасета</a:t>
             </a:r>
             <a:endParaRPr lang="sr-Cyrl-RS" sz="2400" dirty="0"/>
           </a:p>
@@ -4009,11 +4006,11 @@
   <p:clrMapOvr>
     <a:masterClrMapping/>
   </p:clrMapOvr>
-  <mc:AlternateContent xmlns:mc="http://schemas.openxmlformats.org/markup-compatibility/2006">
-    <mc:Choice xmlns:p14="http://schemas.microsoft.com/office/powerpoint/2010/main" Requires="p14">
+  <mc:AlternateContent xmlns:mc="http://schemas.openxmlformats.org/markup-compatibility/2006" xmlns:p14="http://schemas.microsoft.com/office/powerpoint/2010/main">
+    <mc:Choice Requires="p14">
       <p:transition spd="slow" p14:dur="2000"/>
     </mc:Choice>
-    <mc:Fallback>
+    <mc:Fallback xmlns="">
       <p:transition spd="slow"/>
     </mc:Fallback>
   </mc:AlternateContent>
@@ -4115,11 +4112,11 @@
   <p:clrMapOvr>
     <a:masterClrMapping/>
   </p:clrMapOvr>
-  <mc:AlternateContent xmlns:mc="http://schemas.openxmlformats.org/markup-compatibility/2006">
-    <mc:Choice xmlns:p14="http://schemas.microsoft.com/office/powerpoint/2010/main" Requires="p14">
+  <mc:AlternateContent xmlns:mc="http://schemas.openxmlformats.org/markup-compatibility/2006" xmlns:p14="http://schemas.microsoft.com/office/powerpoint/2010/main">
+    <mc:Choice Requires="p14">
       <p:transition spd="slow" p14:dur="2000"/>
     </mc:Choice>
-    <mc:Fallback>
+    <mc:Fallback xmlns="">
       <p:transition spd="slow"/>
     </mc:Fallback>
   </mc:AlternateContent>
@@ -4282,11 +4279,11 @@
   <p:clrMapOvr>
     <a:masterClrMapping/>
   </p:clrMapOvr>
-  <mc:AlternateContent xmlns:mc="http://schemas.openxmlformats.org/markup-compatibility/2006">
-    <mc:Choice xmlns:p14="http://schemas.microsoft.com/office/powerpoint/2010/main" Requires="p14">
+  <mc:AlternateContent xmlns:mc="http://schemas.openxmlformats.org/markup-compatibility/2006" xmlns:p14="http://schemas.microsoft.com/office/powerpoint/2010/main">
+    <mc:Choice Requires="p14">
       <p:transition spd="slow" p14:dur="2000"/>
     </mc:Choice>
-    <mc:Fallback>
+    <mc:Fallback xmlns="">
       <p:transition spd="slow"/>
     </mc:Fallback>
   </mc:AlternateContent>
@@ -4453,11 +4450,11 @@
   <p:clrMapOvr>
     <a:masterClrMapping/>
   </p:clrMapOvr>
-  <mc:AlternateContent xmlns:mc="http://schemas.openxmlformats.org/markup-compatibility/2006">
-    <mc:Choice xmlns:p14="http://schemas.microsoft.com/office/powerpoint/2010/main" Requires="p14">
+  <mc:AlternateContent xmlns:mc="http://schemas.openxmlformats.org/markup-compatibility/2006" xmlns:p14="http://schemas.microsoft.com/office/powerpoint/2010/main">
+    <mc:Choice Requires="p14">
       <p:transition spd="slow" p14:dur="2000"/>
     </mc:Choice>
-    <mc:Fallback>
+    <mc:Fallback xmlns="">
       <p:transition spd="slow"/>
     </mc:Fallback>
   </mc:AlternateContent>
@@ -4628,11 +4625,11 @@
   <p:clrMapOvr>
     <a:masterClrMapping/>
   </p:clrMapOvr>
-  <mc:AlternateContent xmlns:mc="http://schemas.openxmlformats.org/markup-compatibility/2006">
-    <mc:Choice xmlns:p14="http://schemas.microsoft.com/office/powerpoint/2010/main" Requires="p14">
+  <mc:AlternateContent xmlns:mc="http://schemas.openxmlformats.org/markup-compatibility/2006" xmlns:p14="http://schemas.microsoft.com/office/powerpoint/2010/main">
+    <mc:Choice Requires="p14">
       <p:transition spd="slow" p14:dur="2000"/>
     </mc:Choice>
-    <mc:Fallback>
+    <mc:Fallback xmlns="">
       <p:transition spd="slow"/>
     </mc:Fallback>
   </mc:AlternateContent>
@@ -4812,11 +4809,11 @@
   <p:clrMapOvr>
     <a:masterClrMapping/>
   </p:clrMapOvr>
-  <mc:AlternateContent xmlns:mc="http://schemas.openxmlformats.org/markup-compatibility/2006">
-    <mc:Choice xmlns:p14="http://schemas.microsoft.com/office/powerpoint/2010/main" Requires="p14">
+  <mc:AlternateContent xmlns:mc="http://schemas.openxmlformats.org/markup-compatibility/2006" xmlns:p14="http://schemas.microsoft.com/office/powerpoint/2010/main">
+    <mc:Choice Requires="p14">
       <p:transition spd="slow" p14:dur="2000"/>
     </mc:Choice>
-    <mc:Fallback>
+    <mc:Fallback xmlns="">
       <p:transition spd="slow"/>
     </mc:Fallback>
   </mc:AlternateContent>
@@ -4957,11 +4954,11 @@
   <p:clrMapOvr>
     <a:masterClrMapping/>
   </p:clrMapOvr>
-  <mc:AlternateContent xmlns:mc="http://schemas.openxmlformats.org/markup-compatibility/2006">
-    <mc:Choice xmlns:p14="http://schemas.microsoft.com/office/powerpoint/2010/main" Requires="p14">
+  <mc:AlternateContent xmlns:mc="http://schemas.openxmlformats.org/markup-compatibility/2006" xmlns:p14="http://schemas.microsoft.com/office/powerpoint/2010/main">
+    <mc:Choice Requires="p14">
       <p:transition spd="slow" p14:dur="2000"/>
     </mc:Choice>
-    <mc:Fallback>
+    <mc:Fallback xmlns="">
       <p:transition spd="slow"/>
     </mc:Fallback>
   </mc:AlternateContent>
@@ -5062,11 +5059,11 @@
   <p:clrMapOvr>
     <a:masterClrMapping/>
   </p:clrMapOvr>
-  <mc:AlternateContent xmlns:mc="http://schemas.openxmlformats.org/markup-compatibility/2006">
-    <mc:Choice xmlns:p14="http://schemas.microsoft.com/office/powerpoint/2010/main" Requires="p14">
+  <mc:AlternateContent xmlns:mc="http://schemas.openxmlformats.org/markup-compatibility/2006" xmlns:p14="http://schemas.microsoft.com/office/powerpoint/2010/main">
+    <mc:Choice Requires="p14">
       <p:transition spd="slow" p14:dur="2000"/>
     </mc:Choice>
-    <mc:Fallback>
+    <mc:Fallback xmlns="">
       <p:transition spd="slow"/>
     </mc:Fallback>
   </mc:AlternateContent>

--- a/Car Logo Tracker.pptx
+++ b/Car Logo Tracker.pptx
@@ -8,17 +8,28 @@
     <p:sldId id="256" r:id="rId2"/>
     <p:sldId id="257" r:id="rId3"/>
     <p:sldId id="258" r:id="rId4"/>
-    <p:sldId id="259" r:id="rId5"/>
-    <p:sldId id="264" r:id="rId6"/>
-    <p:sldId id="265" r:id="rId7"/>
-    <p:sldId id="266" r:id="rId8"/>
-    <p:sldId id="267" r:id="rId9"/>
+    <p:sldId id="270" r:id="rId5"/>
+    <p:sldId id="259" r:id="rId6"/>
+    <p:sldId id="264" r:id="rId7"/>
+    <p:sldId id="265" r:id="rId8"/>
+    <p:sldId id="266" r:id="rId9"/>
     <p:sldId id="268" r:id="rId10"/>
     <p:sldId id="260" r:id="rId11"/>
-    <p:sldId id="261" r:id="rId12"/>
-    <p:sldId id="262" r:id="rId13"/>
-    <p:sldId id="263" r:id="rId14"/>
-    <p:sldId id="269" r:id="rId15"/>
+    <p:sldId id="271" r:id="rId12"/>
+    <p:sldId id="277" r:id="rId13"/>
+    <p:sldId id="278" r:id="rId14"/>
+    <p:sldId id="279" r:id="rId15"/>
+    <p:sldId id="272" r:id="rId16"/>
+    <p:sldId id="273" r:id="rId17"/>
+    <p:sldId id="275" r:id="rId18"/>
+    <p:sldId id="276" r:id="rId19"/>
+    <p:sldId id="282" r:id="rId20"/>
+    <p:sldId id="283" r:id="rId21"/>
+    <p:sldId id="284" r:id="rId22"/>
+    <p:sldId id="280" r:id="rId23"/>
+    <p:sldId id="281" r:id="rId24"/>
+    <p:sldId id="263" r:id="rId25"/>
+    <p:sldId id="269" r:id="rId26"/>
   </p:sldIdLst>
   <p:sldSz cx="9144000" cy="6858000" type="screen4x3"/>
   <p:notesSz cx="6858000" cy="9144000"/>
@@ -231,7 +242,7 @@
           <a:p>
             <a:fld id="{928C5F36-6EC9-4335-B5CD-E813169E6410}" type="datetimeFigureOut">
               <a:rPr lang="sr-Cyrl-RS" smtClean="0"/>
-              <a:t>11.2.2016</a:t>
+              <a:t>19.2.2016</a:t>
             </a:fld>
             <a:endParaRPr lang="sr-Cyrl-RS"/>
           </a:p>
@@ -465,7 +476,7 @@
           <a:p>
             <a:fld id="{928C5F36-6EC9-4335-B5CD-E813169E6410}" type="datetimeFigureOut">
               <a:rPr lang="sr-Cyrl-RS" smtClean="0"/>
-              <a:t>11.2.2016</a:t>
+              <a:t>19.2.2016</a:t>
             </a:fld>
             <a:endParaRPr lang="sr-Cyrl-RS"/>
           </a:p>
@@ -648,7 +659,7 @@
           <a:p>
             <a:fld id="{928C5F36-6EC9-4335-B5CD-E813169E6410}" type="datetimeFigureOut">
               <a:rPr lang="sr-Cyrl-RS" smtClean="0"/>
-              <a:t>11.2.2016</a:t>
+              <a:t>19.2.2016</a:t>
             </a:fld>
             <a:endParaRPr lang="sr-Cyrl-RS"/>
           </a:p>
@@ -821,7 +832,7 @@
           <a:p>
             <a:fld id="{928C5F36-6EC9-4335-B5CD-E813169E6410}" type="datetimeFigureOut">
               <a:rPr lang="sr-Cyrl-RS" smtClean="0"/>
-              <a:t>11.2.2016</a:t>
+              <a:t>19.2.2016</a:t>
             </a:fld>
             <a:endParaRPr lang="sr-Cyrl-RS"/>
           </a:p>
@@ -1068,7 +1079,7 @@
           <a:p>
             <a:fld id="{928C5F36-6EC9-4335-B5CD-E813169E6410}" type="datetimeFigureOut">
               <a:rPr lang="sr-Cyrl-RS" smtClean="0"/>
-              <a:t>11.2.2016</a:t>
+              <a:t>19.2.2016</a:t>
             </a:fld>
             <a:endParaRPr lang="sr-Cyrl-RS"/>
           </a:p>
@@ -1340,7 +1351,7 @@
           <a:p>
             <a:fld id="{928C5F36-6EC9-4335-B5CD-E813169E6410}" type="datetimeFigureOut">
               <a:rPr lang="sr-Cyrl-RS" smtClean="0"/>
-              <a:t>11.2.2016</a:t>
+              <a:t>19.2.2016</a:t>
             </a:fld>
             <a:endParaRPr lang="sr-Cyrl-RS"/>
           </a:p>
@@ -1722,7 +1733,7 @@
           <a:p>
             <a:fld id="{928C5F36-6EC9-4335-B5CD-E813169E6410}" type="datetimeFigureOut">
               <a:rPr lang="sr-Cyrl-RS" smtClean="0"/>
-              <a:t>11.2.2016</a:t>
+              <a:t>19.2.2016</a:t>
             </a:fld>
             <a:endParaRPr lang="sr-Cyrl-RS"/>
           </a:p>
@@ -1843,7 +1854,7 @@
           <a:p>
             <a:fld id="{928C5F36-6EC9-4335-B5CD-E813169E6410}" type="datetimeFigureOut">
               <a:rPr lang="sr-Cyrl-RS" smtClean="0"/>
-              <a:t>11.2.2016</a:t>
+              <a:t>19.2.2016</a:t>
             </a:fld>
             <a:endParaRPr lang="sr-Cyrl-RS"/>
           </a:p>
@@ -1941,7 +1952,7 @@
           <a:p>
             <a:fld id="{928C5F36-6EC9-4335-B5CD-E813169E6410}" type="datetimeFigureOut">
               <a:rPr lang="sr-Cyrl-RS" smtClean="0"/>
-              <a:t>11.2.2016</a:t>
+              <a:t>19.2.2016</a:t>
             </a:fld>
             <a:endParaRPr lang="sr-Cyrl-RS"/>
           </a:p>
@@ -2207,7 +2218,7 @@
           <a:p>
             <a:fld id="{928C5F36-6EC9-4335-B5CD-E813169E6410}" type="datetimeFigureOut">
               <a:rPr lang="sr-Cyrl-RS" smtClean="0"/>
-              <a:t>11.2.2016</a:t>
+              <a:t>19.2.2016</a:t>
             </a:fld>
             <a:endParaRPr lang="sr-Cyrl-RS"/>
           </a:p>
@@ -2479,7 +2490,7 @@
           <a:p>
             <a:fld id="{928C5F36-6EC9-4335-B5CD-E813169E6410}" type="datetimeFigureOut">
               <a:rPr lang="sr-Cyrl-RS" smtClean="0"/>
-              <a:t>11.2.2016</a:t>
+              <a:t>19.2.2016</a:t>
             </a:fld>
             <a:endParaRPr lang="sr-Cyrl-RS"/>
           </a:p>
@@ -2713,7 +2724,7 @@
           <a:p>
             <a:fld id="{928C5F36-6EC9-4335-B5CD-E813169E6410}" type="datetimeFigureOut">
               <a:rPr lang="sr-Cyrl-RS" smtClean="0"/>
-              <a:t>11.2.2016</a:t>
+              <a:t>19.2.2016</a:t>
             </a:fld>
             <a:endParaRPr lang="sr-Cyrl-RS"/>
           </a:p>
@@ -3179,15 +3190,7 @@
                   <a:schemeClr val="tx1"/>
                 </a:solidFill>
               </a:rPr>
-              <a:t>Car Logo </a:t>
-            </a:r>
-            <a:r>
-              <a:rPr lang="en-US" cap="none" dirty="0" smtClean="0">
-                <a:solidFill>
-                  <a:schemeClr val="tx1"/>
-                </a:solidFill>
-              </a:rPr>
-              <a:t>Detector</a:t>
+              <a:t>Car Logo Detector</a:t>
             </a:r>
             <a:endParaRPr lang="sr-Cyrl-RS" cap="none" dirty="0">
               <a:solidFill>
@@ -3269,6 +3272,13 @@
       <p:transition spd="slow"/>
     </mc:Fallback>
   </mc:AlternateContent>
+  <p:timing>
+    <p:tnLst>
+      <p:par>
+        <p:cTn id="1" dur="indefinite" restart="never" nodeType="tmRoot"/>
+      </p:par>
+    </p:tnLst>
+  </p:timing>
 </p:sld>
 </file>
 
@@ -3339,32 +3349,37 @@
           <a:p>
             <a:r>
               <a:rPr lang="sr-Cyrl-RS" sz="2400" dirty="0" smtClean="0"/>
-              <a:t>Одабрати најпогоднију технику</a:t>
+              <a:t>Одабир најпогодније технике</a:t>
             </a:r>
           </a:p>
           <a:p>
             <a:r>
               <a:rPr lang="sr-Cyrl-RS" sz="2400" dirty="0" smtClean="0"/>
-              <a:t>Препознавање логоа на слици</a:t>
+              <a:t>Имплементација одабране технике</a:t>
             </a:r>
           </a:p>
           <a:p>
             <a:r>
               <a:rPr lang="sr-Cyrl-RS" sz="2400" dirty="0" smtClean="0"/>
-              <a:t>Издвајање региона у ком се налази лого</a:t>
+              <a:t>Примена технике на слике из датасета</a:t>
             </a:r>
           </a:p>
           <a:p>
             <a:r>
               <a:rPr lang="sr-Cyrl-RS" sz="2400" dirty="0" smtClean="0"/>
-              <a:t>Обрада региона</a:t>
-            </a:r>
-            <a:endParaRPr lang="sr-Cyrl-RS" sz="2000" dirty="0" smtClean="0"/>
+              <a:t>Примена технике на тест слици</a:t>
+            </a:r>
           </a:p>
           <a:p>
             <a:r>
               <a:rPr lang="sr-Cyrl-RS" sz="2400" dirty="0" smtClean="0"/>
-              <a:t>Препознавање марке аутомобила</a:t>
+              <a:t>Поређење тест слике са сликама из датасета</a:t>
+            </a:r>
+          </a:p>
+          <a:p>
+            <a:r>
+              <a:rPr lang="sr-Cyrl-RS" sz="2400" dirty="0" smtClean="0"/>
+              <a:t>Приказивање резултата</a:t>
             </a:r>
           </a:p>
           <a:p>
@@ -3439,7 +3454,39 @@
                   <a:schemeClr val="tx1"/>
                 </a:solidFill>
               </a:rPr>
-              <a:t>Кораци имплементације</a:t>
+              <a:t>Имплементација</a:t>
+            </a:r>
+            <a:r>
+              <a:rPr lang="sr-Cyrl-RS" i="1" dirty="0" smtClean="0">
+                <a:solidFill>
+                  <a:schemeClr val="tx1"/>
+                </a:solidFill>
+              </a:rPr>
+              <a:t> </a:t>
+            </a:r>
+            <a:r>
+              <a:rPr lang="en-US" i="1" dirty="0" err="1" smtClean="0">
+                <a:solidFill>
+                  <a:schemeClr val="tx1"/>
+                </a:solidFill>
+              </a:rPr>
+              <a:t>RootSIFT</a:t>
+            </a:r>
+            <a:r>
+              <a:rPr lang="en-US" i="1" dirty="0" smtClean="0">
+                <a:solidFill>
+                  <a:schemeClr val="tx1"/>
+                </a:solidFill>
+              </a:rPr>
+              <a:t>-</a:t>
+            </a:r>
+            <a:r>
+              <a:rPr lang="en-US" dirty="0" smtClean="0">
+                <a:solidFill>
+                  <a:schemeClr val="tx1"/>
+                </a:solidFill>
+              </a:rPr>
+              <a:t>a</a:t>
             </a:r>
             <a:endParaRPr lang="sr-Cyrl-RS" dirty="0">
               <a:solidFill>
@@ -3462,61 +3509,151 @@
         <p:spPr/>
         <p:txBody>
           <a:bodyPr>
-            <a:normAutofit/>
+            <a:normAutofit lnSpcReduction="10000"/>
           </a:bodyPr>
           <a:lstStyle/>
           <a:p>
             <a:r>
-              <a:rPr lang="sr-Cyrl-RS" sz="2400" dirty="0" smtClean="0"/>
-              <a:t>Обучавање неуронске мреже</a:t>
+              <a:rPr lang="sr-Cyrl-RS" dirty="0" smtClean="0"/>
+              <a:t>Коришћен </a:t>
+            </a:r>
+            <a:r>
+              <a:rPr lang="en-US" i="1" dirty="0" err="1" smtClean="0"/>
+              <a:t>RootSIFT</a:t>
+            </a:r>
+            <a:r>
+              <a:rPr lang="sr-Cyrl-RS" i="1" dirty="0" smtClean="0"/>
+              <a:t> </a:t>
+            </a:r>
+            <a:r>
+              <a:rPr lang="sr-Cyrl-RS" dirty="0" smtClean="0"/>
+              <a:t>као унапређење </a:t>
+            </a:r>
+            <a:r>
+              <a:rPr lang="en-US" i="1" dirty="0" smtClean="0"/>
+              <a:t>SIFT-a</a:t>
+            </a:r>
+          </a:p>
+          <a:p>
+            <a:r>
+              <a:rPr lang="en-US" i="1" dirty="0" smtClean="0"/>
+              <a:t>SIFT </a:t>
+            </a:r>
+            <a:r>
+              <a:rPr lang="sr-Cyrl-RS" dirty="0" smtClean="0"/>
+              <a:t>алгоритам</a:t>
             </a:r>
           </a:p>
           <a:p>
             <a:pPr lvl="1"/>
             <a:r>
-              <a:rPr lang="sr-Cyrl-RS" sz="2000" dirty="0" smtClean="0"/>
-              <a:t>Обезбедити што већу базу логоа аутомобила. Покрити што је више случајева могуће.</a:t>
+              <a:rPr lang="sr-Cyrl-RS" dirty="0" smtClean="0"/>
+              <a:t>Детектује екстреме, кандидате за кључне тачке</a:t>
+            </a:r>
+          </a:p>
+          <a:p>
+            <a:pPr lvl="2"/>
+            <a:r>
+              <a:rPr lang="sr-Cyrl-RS" dirty="0" smtClean="0"/>
+              <a:t>Конволуција оригиналне слике са </a:t>
+            </a:r>
+            <a:r>
+              <a:rPr lang="en-US" i="1" dirty="0" err="1" smtClean="0"/>
+              <a:t>DoG</a:t>
+            </a:r>
+            <a:r>
+              <a:rPr lang="en-US" i="1" dirty="0" smtClean="0"/>
+              <a:t> (Difference of Gaussian)</a:t>
+            </a:r>
+            <a:endParaRPr lang="sr-Cyrl-RS" dirty="0" smtClean="0"/>
+          </a:p>
+          <a:p>
+            <a:pPr lvl="2"/>
+            <a:r>
+              <a:rPr lang="en-US" i="1" dirty="0" err="1" smtClean="0"/>
+              <a:t>DoG</a:t>
+            </a:r>
+            <a:r>
+              <a:rPr lang="en-US" i="1" dirty="0" smtClean="0"/>
+              <a:t> - </a:t>
+            </a:r>
+            <a:r>
+              <a:rPr lang="en-US" i="1" dirty="0" err="1" smtClean="0"/>
+              <a:t>Grayscale</a:t>
+            </a:r>
+            <a:r>
+              <a:rPr lang="en-US" i="1" dirty="0" smtClean="0"/>
+              <a:t> </a:t>
+            </a:r>
+            <a:r>
+              <a:rPr lang="sr-Cyrl-RS" dirty="0" smtClean="0"/>
+              <a:t>слику</a:t>
+            </a:r>
+            <a:r>
+              <a:rPr lang="sr-Cyrl-RS" i="1" dirty="0" smtClean="0"/>
+              <a:t> </a:t>
+            </a:r>
+            <a:r>
+              <a:rPr lang="sr-Cyrl-RS" dirty="0" smtClean="0"/>
+              <a:t>пореди за замућеном сликом</a:t>
+            </a:r>
+          </a:p>
+          <a:p>
+            <a:pPr lvl="2"/>
+            <a:r>
+              <a:rPr lang="sr-Cyrl-RS" dirty="0" smtClean="0"/>
+              <a:t>Даје превише кандидата</a:t>
             </a:r>
           </a:p>
           <a:p>
             <a:pPr lvl="1"/>
             <a:r>
-              <a:rPr lang="sr-Cyrl-RS" sz="2000" dirty="0" smtClean="0"/>
-              <a:t>Обратити пажњу да пре свега буду заступљени логои аутомобила који се најчешће појављују у областима (град, држава) где ће се софтвер тестирати.</a:t>
-            </a:r>
-          </a:p>
-          <a:p>
-            <a:r>
-              <a:rPr lang="sr-Cyrl-RS" sz="2400" dirty="0" smtClean="0"/>
-              <a:t>Тестирање неуронске мреже</a:t>
-            </a:r>
+              <a:rPr lang="sr-Cyrl-RS" dirty="0" smtClean="0"/>
+              <a:t>Локализација кључних тачака</a:t>
+            </a:r>
+          </a:p>
+          <a:p>
+            <a:pPr lvl="2"/>
+            <a:r>
+              <a:rPr lang="sr-Cyrl-RS" dirty="0" smtClean="0"/>
+              <a:t>Одбацивање тачака са ниским контрастом</a:t>
+            </a:r>
+          </a:p>
+          <a:p>
+            <a:pPr lvl="2"/>
+            <a:r>
+              <a:rPr lang="sr-Cyrl-RS" dirty="0" smtClean="0"/>
+              <a:t>Вредност другог реда Тејлоровог низа </a:t>
+            </a:r>
+            <a:r>
+              <a:rPr lang="en-US" dirty="0" smtClean="0"/>
+              <a:t>&lt; 0.03</a:t>
+            </a:r>
+            <a:br>
+              <a:rPr lang="en-US" dirty="0" smtClean="0"/>
+            </a:br>
+            <a:r>
+              <a:rPr lang="en-US" dirty="0" smtClean="0"/>
+              <a:t> </a:t>
+            </a:r>
+            <a:br>
+              <a:rPr lang="en-US" dirty="0" smtClean="0"/>
+            </a:br>
+            <a:endParaRPr lang="sr-Cyrl-RS" i="1" dirty="0" smtClean="0"/>
+          </a:p>
+          <a:p>
+            <a:endParaRPr lang="en-US" i="1" dirty="0" smtClean="0"/>
           </a:p>
           <a:p>
             <a:pPr lvl="1"/>
-            <a:r>
-              <a:rPr lang="sr-Cyrl-RS" sz="2000" dirty="0" smtClean="0"/>
-              <a:t>Обезбедити тест податке</a:t>
-            </a:r>
-          </a:p>
-          <a:p>
-            <a:pPr lvl="1"/>
-            <a:r>
-              <a:rPr lang="sr-Cyrl-RS" sz="2000" dirty="0" smtClean="0"/>
-              <a:t>Сликањем аутомобила на отвореном простору</a:t>
-            </a:r>
-          </a:p>
-          <a:p>
-            <a:pPr marL="137160" indent="0">
-              <a:buNone/>
-            </a:pPr>
-            <a:endParaRPr lang="sr-Cyrl-RS" dirty="0" smtClean="0"/>
+            <a:endParaRPr lang="sr-Cyrl-RS" i="1" dirty="0"/>
           </a:p>
         </p:txBody>
       </p:sp>
     </p:spTree>
     <p:extLst>
       <p:ext uri="{BB962C8B-B14F-4D97-AF65-F5344CB8AC3E}">
-        <p14:creationId xmlns:p14="http://schemas.microsoft.com/office/powerpoint/2010/main" val="3531243117"/>
+        <p14:creationId xmlns:p14="http://schemas.microsoft.com/office/powerpoint/2010/main" val="139600547"/>
       </p:ext>
     </p:extLst>
   </p:cSld>
@@ -3574,12 +3711,44 @@
           <a:lstStyle/>
           <a:p>
             <a:r>
-              <a:rPr lang="sr-Cyrl-RS" dirty="0" smtClean="0">
+              <a:rPr lang="sr-Cyrl-RS" dirty="0">
                 <a:solidFill>
                   <a:schemeClr val="tx1"/>
                 </a:solidFill>
               </a:rPr>
-              <a:t>Могућности проширења</a:t>
+              <a:t>Имплементација</a:t>
+            </a:r>
+            <a:r>
+              <a:rPr lang="sr-Cyrl-RS" i="1" dirty="0">
+                <a:solidFill>
+                  <a:schemeClr val="tx1"/>
+                </a:solidFill>
+              </a:rPr>
+              <a:t> </a:t>
+            </a:r>
+            <a:r>
+              <a:rPr lang="en-US" i="1" dirty="0" err="1">
+                <a:solidFill>
+                  <a:schemeClr val="tx1"/>
+                </a:solidFill>
+              </a:rPr>
+              <a:t>RootSIFT</a:t>
+            </a:r>
+            <a:r>
+              <a:rPr lang="en-US" i="1" dirty="0">
+                <a:solidFill>
+                  <a:schemeClr val="tx1"/>
+                </a:solidFill>
+              </a:rPr>
+              <a:t>-</a:t>
+            </a:r>
+            <a:r>
+              <a:rPr lang="en-US" dirty="0">
+                <a:solidFill>
+                  <a:schemeClr val="tx1"/>
+                </a:solidFill>
+              </a:rPr>
+              <a:t>a</a:t>
             </a:r>
             <a:endParaRPr lang="sr-Cyrl-RS" dirty="0">
               <a:solidFill>
@@ -3601,54 +3770,96 @@
         </p:nvSpPr>
         <p:spPr/>
         <p:txBody>
-          <a:bodyPr>
-            <a:normAutofit/>
-          </a:bodyPr>
-          <a:lstStyle/>
-          <a:p>
+          <a:bodyPr/>
+          <a:lstStyle/>
+          <a:p>
+            <a:pPr lvl="1"/>
+            <a:r>
+              <a:rPr lang="sr-Cyrl-RS" dirty="0" smtClean="0"/>
+              <a:t>Одређивање оријентације</a:t>
+            </a:r>
+          </a:p>
+          <a:p>
+            <a:pPr lvl="2"/>
             <a:r>
               <a:rPr lang="sr-Cyrl-RS" sz="2400" dirty="0" smtClean="0"/>
-              <a:t>Препознавање логоа аутомобила у покрету</a:t>
-            </a:r>
-          </a:p>
-          <a:p>
+              <a:t>За сваки пиксел око кључне тачке</a:t>
+            </a:r>
+          </a:p>
+          <a:p>
+            <a:pPr lvl="2"/>
             <a:r>
               <a:rPr lang="sr-Cyrl-RS" sz="2400" dirty="0" smtClean="0"/>
-              <a:t>Омогућити рад са видео датотекама</a:t>
-            </a:r>
-          </a:p>
-          <a:p>
+              <a:t>Хистограм, 36 </a:t>
+            </a:r>
+            <a:r>
+              <a:rPr lang="en-US" sz="2400" i="1" dirty="0" smtClean="0"/>
+              <a:t>bins</a:t>
+            </a:r>
+            <a:r>
+              <a:rPr lang="en-US" sz="2400" dirty="0" smtClean="0"/>
+              <a:t>, </a:t>
+            </a:r>
             <a:r>
               <a:rPr lang="sr-Cyrl-RS" sz="2400" dirty="0" smtClean="0"/>
-              <a:t>Препознавање конкретних модела марки аутомобила (нпр. Голф 2, БМВ 318</a:t>
-            </a:r>
-            <a:r>
-              <a:rPr lang="en-US" sz="2400" dirty="0" smtClean="0"/>
-              <a:t>i</a:t>
-            </a:r>
+              <a:t>сваки 10 степени</a:t>
+            </a:r>
+          </a:p>
+          <a:p>
+            <a:pPr lvl="2"/>
             <a:r>
               <a:rPr lang="sr-Cyrl-RS" sz="2400" dirty="0" smtClean="0"/>
-              <a:t>, Застава 750 итд).</a:t>
-            </a:r>
-          </a:p>
-          <a:p>
+              <a:t>Вредности пиксела се смештају у одређене </a:t>
+            </a:r>
+            <a:r>
+              <a:rPr lang="en-US" sz="2400" i="1" dirty="0" smtClean="0"/>
+              <a:t>bin</a:t>
+            </a:r>
+            <a:r>
+              <a:rPr lang="sr-Cyrl-RS" sz="2400" i="1" dirty="0" smtClean="0"/>
+              <a:t>-</a:t>
+            </a:r>
             <a:r>
               <a:rPr lang="sr-Cyrl-RS" sz="2400" dirty="0" smtClean="0"/>
-              <a:t>Избацивање спецификације аутомобила на основу препознатог модела</a:t>
-            </a:r>
-          </a:p>
-          <a:p>
+              <a:t>ове</a:t>
+            </a:r>
+          </a:p>
+          <a:p>
+            <a:pPr lvl="2"/>
             <a:r>
               <a:rPr lang="sr-Cyrl-RS" sz="2400" dirty="0" smtClean="0"/>
-              <a:t>...</a:t>
-            </a:r>
+              <a:t>Доминантни </a:t>
+            </a:r>
+            <a:r>
+              <a:rPr lang="en-US" sz="2400" i="1" dirty="0" smtClean="0"/>
+              <a:t>bin – </a:t>
+            </a:r>
+            <a:r>
+              <a:rPr lang="sr-Cyrl-RS" sz="2400" dirty="0" smtClean="0"/>
+              <a:t>оријентација</a:t>
+            </a:r>
+          </a:p>
+          <a:p>
+            <a:pPr lvl="2"/>
+            <a:r>
+              <a:rPr lang="sr-Cyrl-RS" sz="2400" dirty="0" smtClean="0"/>
+              <a:t>Додељује се кључној тачки</a:t>
+            </a:r>
+          </a:p>
+          <a:p>
+            <a:pPr lvl="1"/>
+            <a:r>
+              <a:rPr lang="sr-Cyrl-RS" sz="2600" dirty="0" smtClean="0"/>
+              <a:t>Сада имамо кључне тачке ’’имуне’’ на скалирање и ротирање слике</a:t>
+            </a:r>
+            <a:endParaRPr lang="sr-Cyrl-RS" sz="2600" dirty="0"/>
           </a:p>
         </p:txBody>
       </p:sp>
     </p:spTree>
     <p:extLst>
       <p:ext uri="{BB962C8B-B14F-4D97-AF65-F5344CB8AC3E}">
-        <p14:creationId xmlns:p14="http://schemas.microsoft.com/office/powerpoint/2010/main" val="3143945855"/>
+        <p14:creationId xmlns:p14="http://schemas.microsoft.com/office/powerpoint/2010/main" val="3669871356"/>
       </p:ext>
     </p:extLst>
   </p:cSld>
@@ -3706,12 +3917,44 @@
           <a:lstStyle/>
           <a:p>
             <a:r>
-              <a:rPr lang="sr-Cyrl-RS" dirty="0" smtClean="0">
+              <a:rPr lang="sr-Cyrl-RS" dirty="0">
                 <a:solidFill>
                   <a:schemeClr val="tx1"/>
                 </a:solidFill>
               </a:rPr>
-              <a:t>Извори:</a:t>
+              <a:t>Имплементација</a:t>
+            </a:r>
+            <a:r>
+              <a:rPr lang="sr-Cyrl-RS" i="1" dirty="0">
+                <a:solidFill>
+                  <a:schemeClr val="tx1"/>
+                </a:solidFill>
+              </a:rPr>
+              <a:t> </a:t>
+            </a:r>
+            <a:r>
+              <a:rPr lang="en-US" i="1" dirty="0" err="1">
+                <a:solidFill>
+                  <a:schemeClr val="tx1"/>
+                </a:solidFill>
+              </a:rPr>
+              <a:t>RootSIFT</a:t>
+            </a:r>
+            <a:r>
+              <a:rPr lang="en-US" i="1" dirty="0">
+                <a:solidFill>
+                  <a:schemeClr val="tx1"/>
+                </a:solidFill>
+              </a:rPr>
+              <a:t>-</a:t>
+            </a:r>
+            <a:r>
+              <a:rPr lang="en-US" dirty="0">
+                <a:solidFill>
+                  <a:schemeClr val="tx1"/>
+                </a:solidFill>
+              </a:rPr>
+              <a:t>a</a:t>
             </a:r>
             <a:endParaRPr lang="sr-Cyrl-RS" dirty="0">
               <a:solidFill>
@@ -3736,62 +3979,40 @@
           <a:bodyPr/>
           <a:lstStyle/>
           <a:p>
-            <a:r>
-              <a:rPr lang="en-US" sz="2000" dirty="0">
-                <a:hlinkClick r:id="rId2"/>
-              </a:rPr>
-              <a:t>https://</a:t>
-            </a:r>
-            <a:r>
-              <a:rPr lang="en-US" sz="2000" dirty="0" smtClean="0">
-                <a:hlinkClick r:id="rId2"/>
-              </a:rPr>
-              <a:t>en.wikipedia.org/wiki/Histogram_of_oriented_gradients</a:t>
+            <a:pPr lvl="1"/>
+            <a:r>
+              <a:rPr lang="sr-Cyrl-RS" dirty="0" smtClean="0"/>
+              <a:t>Одређивање дескриптора кључних тачака</a:t>
+            </a:r>
+          </a:p>
+          <a:p>
+            <a:pPr lvl="2"/>
+            <a:r>
+              <a:rPr lang="sr-Cyrl-RS" dirty="0" smtClean="0"/>
+              <a:t>Вектори од 128 елемената – оптимално</a:t>
+            </a:r>
+          </a:p>
+          <a:p>
+            <a:pPr lvl="2"/>
+            <a:r>
+              <a:rPr lang="sr-Cyrl-RS" dirty="0" smtClean="0"/>
+              <a:t>Са мање елемената дају знатно лошије резултате</a:t>
+            </a:r>
+          </a:p>
+          <a:p>
+            <a:pPr lvl="2"/>
+            <a:r>
+              <a:rPr lang="sr-Cyrl-RS" dirty="0" smtClean="0"/>
+              <a:t>Са више елемената – незнатно бољи резултати; много спорије</a:t>
             </a:r>
             <a:endParaRPr lang="sr-Cyrl-RS" dirty="0"/>
-          </a:p>
-          <a:p>
-            <a:r>
-              <a:rPr lang="en-US" sz="2000" dirty="0">
-                <a:hlinkClick r:id="rId3"/>
-              </a:rPr>
-              <a:t>https://</a:t>
-            </a:r>
-            <a:r>
-              <a:rPr lang="en-US" sz="2000" dirty="0" smtClean="0">
-                <a:hlinkClick r:id="rId3"/>
-              </a:rPr>
-              <a:t>en.wikipedia.org/wiki/AdaBoost</a:t>
-            </a:r>
-            <a:endParaRPr lang="sr-Cyrl-RS" sz="2000" dirty="0" smtClean="0"/>
-          </a:p>
-          <a:p>
-            <a:r>
-              <a:rPr lang="en-US" sz="2000" dirty="0">
-                <a:hlinkClick r:id="rId4"/>
-              </a:rPr>
-              <a:t>https://</a:t>
-            </a:r>
-            <a:r>
-              <a:rPr lang="en-US" sz="2000" dirty="0" smtClean="0">
-                <a:hlinkClick r:id="rId4"/>
-              </a:rPr>
-              <a:t>en.wikipedia.org/wiki/Scale-invariant_feature_transform</a:t>
-            </a:r>
-            <a:endParaRPr lang="sr-Cyrl-RS" sz="2000" dirty="0" smtClean="0"/>
-          </a:p>
-          <a:p>
-            <a:endParaRPr lang="sr-Cyrl-RS" sz="2000" dirty="0" smtClean="0"/>
-          </a:p>
-          <a:p>
-            <a:endParaRPr lang="sr-Cyrl-RS" sz="2000" dirty="0" smtClean="0"/>
           </a:p>
         </p:txBody>
       </p:sp>
     </p:spTree>
     <p:extLst>
       <p:ext uri="{BB962C8B-B14F-4D97-AF65-F5344CB8AC3E}">
-        <p14:creationId xmlns:p14="http://schemas.microsoft.com/office/powerpoint/2010/main" val="2382457567"/>
+        <p14:creationId xmlns:p14="http://schemas.microsoft.com/office/powerpoint/2010/main" val="3074338440"/>
       </p:ext>
     </p:extLst>
   </p:cSld>
@@ -3843,14 +4064,331 @@
             <p:ph type="title"/>
           </p:nvPr>
         </p:nvSpPr>
-        <p:spPr>
-          <a:xfrm>
-            <a:off x="467544" y="2852936"/>
-            <a:ext cx="8229600" cy="1143000"/>
-          </a:xfrm>
-        </p:spPr>
-        <p:txBody>
-          <a:bodyPr/>
+        <p:spPr/>
+        <p:txBody>
+          <a:bodyPr/>
+          <a:lstStyle/>
+          <a:p>
+            <a:r>
+              <a:rPr lang="sr-Cyrl-RS" dirty="0">
+                <a:solidFill>
+                  <a:schemeClr val="tx1"/>
+                </a:solidFill>
+              </a:rPr>
+              <a:t>Имплементација</a:t>
+            </a:r>
+            <a:r>
+              <a:rPr lang="sr-Cyrl-RS" i="1" dirty="0">
+                <a:solidFill>
+                  <a:schemeClr val="tx1"/>
+                </a:solidFill>
+              </a:rPr>
+              <a:t> </a:t>
+            </a:r>
+            <a:r>
+              <a:rPr lang="en-US" i="1" dirty="0" err="1">
+                <a:solidFill>
+                  <a:schemeClr val="tx1"/>
+                </a:solidFill>
+              </a:rPr>
+              <a:t>RootSIFT</a:t>
+            </a:r>
+            <a:r>
+              <a:rPr lang="en-US" i="1" dirty="0">
+                <a:solidFill>
+                  <a:schemeClr val="tx1"/>
+                </a:solidFill>
+              </a:rPr>
+              <a:t>-</a:t>
+            </a:r>
+            <a:r>
+              <a:rPr lang="en-US" dirty="0">
+                <a:solidFill>
+                  <a:schemeClr val="tx1"/>
+                </a:solidFill>
+              </a:rPr>
+              <a:t>a</a:t>
+            </a:r>
+            <a:endParaRPr lang="sr-Cyrl-RS" dirty="0">
+              <a:solidFill>
+                <a:schemeClr val="tx1"/>
+              </a:solidFill>
+            </a:endParaRPr>
+          </a:p>
+        </p:txBody>
+      </p:sp>
+      <p:sp>
+        <p:nvSpPr>
+          <p:cNvPr id="3" name="Content Placeholder 2"/>
+          <p:cNvSpPr>
+            <a:spLocks noGrp="1"/>
+          </p:cNvSpPr>
+          <p:nvPr>
+            <p:ph idx="1"/>
+          </p:nvPr>
+        </p:nvSpPr>
+        <p:spPr/>
+        <p:txBody>
+          <a:bodyPr/>
+          <a:lstStyle/>
+          <a:p>
+            <a:r>
+              <a:rPr lang="sr-Cyrl-RS" dirty="0" smtClean="0"/>
+              <a:t>Како ради </a:t>
+            </a:r>
+            <a:r>
+              <a:rPr lang="en-US" i="1" dirty="0" err="1" smtClean="0"/>
+              <a:t>RootSIFT</a:t>
+            </a:r>
+            <a:r>
+              <a:rPr lang="en-US" i="1" dirty="0" smtClean="0"/>
+              <a:t>?</a:t>
+            </a:r>
+          </a:p>
+          <a:p>
+            <a:pPr lvl="1"/>
+            <a:r>
+              <a:rPr lang="sr-Cyrl-RS" dirty="0" smtClean="0"/>
+              <a:t>Нормализује векторе дескриптора </a:t>
+            </a:r>
+            <a:r>
+              <a:rPr lang="en-US" i="1" dirty="0" smtClean="0"/>
+              <a:t>SIFT-a</a:t>
+            </a:r>
+          </a:p>
+          <a:p>
+            <a:pPr lvl="1"/>
+            <a:r>
+              <a:rPr lang="sr-Cyrl-RS" dirty="0" smtClean="0"/>
+              <a:t>Израчунава квадратни корен нормализованог вектора</a:t>
+            </a:r>
+          </a:p>
+          <a:p>
+            <a:r>
+              <a:rPr lang="sr-Cyrl-RS" dirty="0" smtClean="0"/>
+              <a:t>Једноставно проширење – многоструко бољи резултати  поклапања</a:t>
+            </a:r>
+            <a:endParaRPr lang="sr-Cyrl-RS" dirty="0"/>
+          </a:p>
+        </p:txBody>
+      </p:sp>
+    </p:spTree>
+    <p:extLst>
+      <p:ext uri="{BB962C8B-B14F-4D97-AF65-F5344CB8AC3E}">
+        <p14:creationId xmlns:p14="http://schemas.microsoft.com/office/powerpoint/2010/main" val="988719748"/>
+      </p:ext>
+    </p:extLst>
+  </p:cSld>
+  <p:clrMapOvr>
+    <a:masterClrMapping/>
+  </p:clrMapOvr>
+  <mc:AlternateContent xmlns:mc="http://schemas.openxmlformats.org/markup-compatibility/2006" xmlns:p14="http://schemas.microsoft.com/office/powerpoint/2010/main">
+    <mc:Choice Requires="p14">
+      <p:transition spd="slow" p14:dur="2000"/>
+    </mc:Choice>
+    <mc:Fallback xmlns="">
+      <p:transition spd="slow"/>
+    </mc:Fallback>
+  </mc:AlternateContent>
+  <p:timing>
+    <p:tnLst>
+      <p:par>
+        <p:cTn id="1" dur="indefinite" restart="never" nodeType="tmRoot"/>
+      </p:par>
+    </p:tnLst>
+  </p:timing>
+</p:sld>
+</file>
+
+<file path=ppt/slides/slide15.xml><?xml version="1.0" encoding="utf-8"?>
+<p:sld xmlns:a="http://schemas.openxmlformats.org/drawingml/2006/main" xmlns:r="http://schemas.openxmlformats.org/officeDocument/2006/relationships" xmlns:p="http://schemas.openxmlformats.org/presentationml/2006/main">
+  <p:cSld>
+    <p:spTree>
+      <p:nvGrpSpPr>
+        <p:cNvPr id="1" name=""/>
+        <p:cNvGrpSpPr/>
+        <p:nvPr/>
+      </p:nvGrpSpPr>
+      <p:grpSpPr>
+        <a:xfrm>
+          <a:off x="0" y="0"/>
+          <a:ext cx="0" cy="0"/>
+          <a:chOff x="0" y="0"/>
+          <a:chExt cx="0" cy="0"/>
+        </a:xfrm>
+      </p:grpSpPr>
+      <p:sp>
+        <p:nvSpPr>
+          <p:cNvPr id="2" name="Title 1"/>
+          <p:cNvSpPr>
+            <a:spLocks noGrp="1"/>
+          </p:cNvSpPr>
+          <p:nvPr>
+            <p:ph type="title"/>
+          </p:nvPr>
+        </p:nvSpPr>
+        <p:spPr/>
+        <p:txBody>
+          <a:bodyPr>
+            <a:normAutofit fontScale="90000"/>
+          </a:bodyPr>
+          <a:lstStyle/>
+          <a:p>
+            <a:r>
+              <a:rPr lang="sr-Cyrl-RS" dirty="0">
+                <a:solidFill>
+                  <a:schemeClr val="tx1"/>
+                </a:solidFill>
+              </a:rPr>
+              <a:t>Примена </a:t>
+            </a:r>
+            <a:r>
+              <a:rPr lang="en-US" i="1" dirty="0" err="1">
+                <a:solidFill>
+                  <a:schemeClr val="tx1"/>
+                </a:solidFill>
+              </a:rPr>
+              <a:t>RootSIFT</a:t>
+            </a:r>
+            <a:r>
+              <a:rPr lang="en-US" i="1" dirty="0">
+                <a:solidFill>
+                  <a:schemeClr val="tx1"/>
+                </a:solidFill>
+              </a:rPr>
+              <a:t>-a </a:t>
+            </a:r>
+            <a:r>
+              <a:rPr lang="sr-Cyrl-RS" dirty="0">
+                <a:solidFill>
+                  <a:schemeClr val="tx1"/>
+                </a:solidFill>
+              </a:rPr>
+              <a:t>на тест слици</a:t>
+            </a:r>
+          </a:p>
+        </p:txBody>
+      </p:sp>
+      <p:sp>
+        <p:nvSpPr>
+          <p:cNvPr id="3" name="Content Placeholder 2"/>
+          <p:cNvSpPr>
+            <a:spLocks noGrp="1"/>
+          </p:cNvSpPr>
+          <p:nvPr>
+            <p:ph idx="1"/>
+          </p:nvPr>
+        </p:nvSpPr>
+        <p:spPr/>
+        <p:txBody>
+          <a:bodyPr/>
+          <a:lstStyle/>
+          <a:p>
+            <a:r>
+              <a:rPr lang="sr-Cyrl-RS" dirty="0" smtClean="0"/>
+              <a:t>Учитавање слике</a:t>
+            </a:r>
+          </a:p>
+          <a:p>
+            <a:r>
+              <a:rPr lang="sr-Cyrl-RS" dirty="0" smtClean="0"/>
+              <a:t>Примена </a:t>
+            </a:r>
+            <a:r>
+              <a:rPr lang="en-US" i="1" dirty="0" smtClean="0"/>
+              <a:t>SIFT </a:t>
+            </a:r>
+            <a:r>
+              <a:rPr lang="sr-Cyrl-RS" dirty="0" smtClean="0"/>
+              <a:t>алгоритма на тест слику</a:t>
+            </a:r>
+          </a:p>
+          <a:p>
+            <a:r>
+              <a:rPr lang="sr-Cyrl-RS" dirty="0" smtClean="0"/>
+              <a:t>Рачунање </a:t>
+            </a:r>
+            <a:r>
+              <a:rPr lang="en-US" i="1" dirty="0" err="1" smtClean="0"/>
+              <a:t>RootSIFT</a:t>
+            </a:r>
+            <a:r>
+              <a:rPr lang="en-US" i="1" dirty="0" smtClean="0"/>
+              <a:t>-a </a:t>
+            </a:r>
+            <a:r>
+              <a:rPr lang="sr-Cyrl-RS" dirty="0" smtClean="0"/>
+              <a:t>на основу добијеног дескриптора</a:t>
+            </a:r>
+          </a:p>
+          <a:p>
+            <a:r>
+              <a:rPr lang="sr-Cyrl-RS" dirty="0" smtClean="0"/>
+              <a:t>Чување кључних тачака</a:t>
+            </a:r>
+          </a:p>
+        </p:txBody>
+      </p:sp>
+    </p:spTree>
+    <p:extLst>
+      <p:ext uri="{BB962C8B-B14F-4D97-AF65-F5344CB8AC3E}">
+        <p14:creationId xmlns:p14="http://schemas.microsoft.com/office/powerpoint/2010/main" val="475610902"/>
+      </p:ext>
+    </p:extLst>
+  </p:cSld>
+  <p:clrMapOvr>
+    <a:masterClrMapping/>
+  </p:clrMapOvr>
+  <mc:AlternateContent xmlns:mc="http://schemas.openxmlformats.org/markup-compatibility/2006" xmlns:p14="http://schemas.microsoft.com/office/powerpoint/2010/main">
+    <mc:Choice Requires="p14">
+      <p:transition spd="slow" p14:dur="2000"/>
+    </mc:Choice>
+    <mc:Fallback xmlns="">
+      <p:transition spd="slow"/>
+    </mc:Fallback>
+  </mc:AlternateContent>
+  <p:timing>
+    <p:tnLst>
+      <p:par>
+        <p:cTn id="1" dur="indefinite" restart="never" nodeType="tmRoot"/>
+      </p:par>
+    </p:tnLst>
+  </p:timing>
+</p:sld>
+</file>
+
+<file path=ppt/slides/slide16.xml><?xml version="1.0" encoding="utf-8"?>
+<p:sld xmlns:a="http://schemas.openxmlformats.org/drawingml/2006/main" xmlns:r="http://schemas.openxmlformats.org/officeDocument/2006/relationships" xmlns:p="http://schemas.openxmlformats.org/presentationml/2006/main">
+  <p:cSld>
+    <p:spTree>
+      <p:nvGrpSpPr>
+        <p:cNvPr id="1" name=""/>
+        <p:cNvGrpSpPr/>
+        <p:nvPr/>
+      </p:nvGrpSpPr>
+      <p:grpSpPr>
+        <a:xfrm>
+          <a:off x="0" y="0"/>
+          <a:ext cx="0" cy="0"/>
+          <a:chOff x="0" y="0"/>
+          <a:chExt cx="0" cy="0"/>
+        </a:xfrm>
+      </p:grpSpPr>
+      <p:sp>
+        <p:nvSpPr>
+          <p:cNvPr id="2" name="Title 1"/>
+          <p:cNvSpPr>
+            <a:spLocks noGrp="1"/>
+          </p:cNvSpPr>
+          <p:nvPr>
+            <p:ph type="title"/>
+          </p:nvPr>
+        </p:nvSpPr>
+        <p:spPr/>
+        <p:txBody>
+          <a:bodyPr>
+            <a:normAutofit fontScale="90000"/>
+          </a:bodyPr>
           <a:lstStyle/>
           <a:p>
             <a:r>
@@ -3859,7 +4397,31 @@
                   <a:schemeClr val="tx1"/>
                 </a:solidFill>
               </a:rPr>
-              <a:t>Крај презентације</a:t>
+              <a:t>Примена </a:t>
+            </a:r>
+            <a:r>
+              <a:rPr lang="en-US" i="1" dirty="0" err="1" smtClean="0">
+                <a:solidFill>
+                  <a:schemeClr val="tx1"/>
+                </a:solidFill>
+              </a:rPr>
+              <a:t>RootSIFT</a:t>
+            </a:r>
+            <a:r>
+              <a:rPr lang="en-US" i="1" dirty="0" smtClean="0">
+                <a:solidFill>
+                  <a:schemeClr val="tx1"/>
+                </a:solidFill>
+              </a:rPr>
+              <a:t>-a </a:t>
+            </a:r>
+            <a:r>
+              <a:rPr lang="sr-Cyrl-RS" dirty="0" smtClean="0">
+                <a:solidFill>
+                  <a:schemeClr val="tx1"/>
+                </a:solidFill>
+              </a:rPr>
+              <a:t>на датасет</a:t>
             </a:r>
             <a:endParaRPr lang="sr-Cyrl-RS" dirty="0">
               <a:solidFill>
@@ -3879,13 +4441,49 @@
             <p:ph idx="1"/>
           </p:nvPr>
         </p:nvSpPr>
-        <p:spPr>
-          <a:noFill/>
-        </p:spPr>
-        <p:txBody>
-          <a:bodyPr/>
-          <a:lstStyle/>
-          <a:p>
+        <p:spPr/>
+        <p:txBody>
+          <a:bodyPr/>
+          <a:lstStyle/>
+          <a:p>
+            <a:r>
+              <a:rPr lang="sr-Cyrl-RS" dirty="0"/>
+              <a:t>Креирање датасета</a:t>
+            </a:r>
+          </a:p>
+          <a:p>
+            <a:r>
+              <a:rPr lang="sr-Cyrl-RS" dirty="0"/>
+              <a:t>За сваку слику се одреде </a:t>
+            </a:r>
+            <a:r>
+              <a:rPr lang="en-US" i="1" dirty="0"/>
+              <a:t>SIFT </a:t>
+            </a:r>
+            <a:r>
+              <a:rPr lang="sr-Cyrl-RS" dirty="0"/>
+              <a:t>дескриптори</a:t>
+            </a:r>
+          </a:p>
+          <a:p>
+            <a:r>
+              <a:rPr lang="sr-Cyrl-RS" dirty="0"/>
+              <a:t>На основу њих </a:t>
+            </a:r>
+            <a:r>
+              <a:rPr lang="sr-Cyrl-RS" dirty="0" smtClean="0"/>
+              <a:t>рачунам </a:t>
+            </a:r>
+            <a:r>
+              <a:rPr lang="en-US" i="1" dirty="0" err="1" smtClean="0"/>
+              <a:t>RootSIFT</a:t>
+            </a:r>
+            <a:endParaRPr lang="sr-Cyrl-RS" dirty="0"/>
+          </a:p>
+          <a:p>
+            <a:pPr marL="137160" indent="0">
+              <a:buNone/>
+            </a:pPr>
             <a:endParaRPr lang="sr-Cyrl-RS" dirty="0"/>
           </a:p>
         </p:txBody>
@@ -3893,7 +4491,351 @@
     </p:spTree>
     <p:extLst>
       <p:ext uri="{BB962C8B-B14F-4D97-AF65-F5344CB8AC3E}">
-        <p14:creationId xmlns:p14="http://schemas.microsoft.com/office/powerpoint/2010/main" val="3614392773"/>
+        <p14:creationId xmlns:p14="http://schemas.microsoft.com/office/powerpoint/2010/main" val="4166067713"/>
+      </p:ext>
+    </p:extLst>
+  </p:cSld>
+  <p:clrMapOvr>
+    <a:masterClrMapping/>
+  </p:clrMapOvr>
+  <mc:AlternateContent xmlns:mc="http://schemas.openxmlformats.org/markup-compatibility/2006" xmlns:p14="http://schemas.microsoft.com/office/powerpoint/2010/main">
+    <mc:Choice Requires="p14">
+      <p:transition spd="slow" p14:dur="2000"/>
+    </mc:Choice>
+    <mc:Fallback xmlns="">
+      <p:transition spd="slow"/>
+    </mc:Fallback>
+  </mc:AlternateContent>
+  <p:timing>
+    <p:tnLst>
+      <p:par>
+        <p:cTn id="1" dur="indefinite" restart="never" nodeType="tmRoot"/>
+      </p:par>
+    </p:tnLst>
+  </p:timing>
+</p:sld>
+</file>
+
+<file path=ppt/slides/slide17.xml><?xml version="1.0" encoding="utf-8"?>
+<p:sld xmlns:a="http://schemas.openxmlformats.org/drawingml/2006/main" xmlns:r="http://schemas.openxmlformats.org/officeDocument/2006/relationships" xmlns:p="http://schemas.openxmlformats.org/presentationml/2006/main">
+  <p:cSld>
+    <p:spTree>
+      <p:nvGrpSpPr>
+        <p:cNvPr id="1" name=""/>
+        <p:cNvGrpSpPr/>
+        <p:nvPr/>
+      </p:nvGrpSpPr>
+      <p:grpSpPr>
+        <a:xfrm>
+          <a:off x="0" y="0"/>
+          <a:ext cx="0" cy="0"/>
+          <a:chOff x="0" y="0"/>
+          <a:chExt cx="0" cy="0"/>
+        </a:xfrm>
+      </p:grpSpPr>
+      <p:sp>
+        <p:nvSpPr>
+          <p:cNvPr id="2" name="Title 1"/>
+          <p:cNvSpPr>
+            <a:spLocks noGrp="1"/>
+          </p:cNvSpPr>
+          <p:nvPr>
+            <p:ph type="title"/>
+          </p:nvPr>
+        </p:nvSpPr>
+        <p:spPr/>
+        <p:txBody>
+          <a:bodyPr/>
+          <a:lstStyle/>
+          <a:p>
+            <a:r>
+              <a:rPr lang="sr-Cyrl-RS" dirty="0" smtClean="0">
+                <a:solidFill>
+                  <a:schemeClr val="tx1"/>
+                </a:solidFill>
+              </a:rPr>
+              <a:t>Поређење слика</a:t>
+            </a:r>
+            <a:endParaRPr lang="sr-Cyrl-RS" dirty="0">
+              <a:solidFill>
+                <a:schemeClr val="tx1"/>
+              </a:solidFill>
+            </a:endParaRPr>
+          </a:p>
+        </p:txBody>
+      </p:sp>
+      <p:sp>
+        <p:nvSpPr>
+          <p:cNvPr id="3" name="Content Placeholder 2"/>
+          <p:cNvSpPr>
+            <a:spLocks noGrp="1"/>
+          </p:cNvSpPr>
+          <p:nvPr>
+            <p:ph idx="1"/>
+          </p:nvPr>
+        </p:nvSpPr>
+        <p:spPr/>
+        <p:txBody>
+          <a:bodyPr/>
+          <a:lstStyle/>
+          <a:p>
+            <a:r>
+              <a:rPr lang="sr-Cyrl-RS" dirty="0" smtClean="0"/>
+              <a:t>Кључне тачке тест слике се пореде са кључним тачкама слика из датасета</a:t>
+            </a:r>
+          </a:p>
+          <a:p>
+            <a:r>
+              <a:rPr lang="sr-Cyrl-RS" dirty="0" smtClean="0"/>
+              <a:t>Слика која има највећи број тачака поклапања се узима као резултат</a:t>
+            </a:r>
+            <a:endParaRPr lang="sr-Cyrl-RS" dirty="0"/>
+          </a:p>
+        </p:txBody>
+      </p:sp>
+    </p:spTree>
+    <p:extLst>
+      <p:ext uri="{BB962C8B-B14F-4D97-AF65-F5344CB8AC3E}">
+        <p14:creationId xmlns:p14="http://schemas.microsoft.com/office/powerpoint/2010/main" val="3327409850"/>
+      </p:ext>
+    </p:extLst>
+  </p:cSld>
+  <p:clrMapOvr>
+    <a:masterClrMapping/>
+  </p:clrMapOvr>
+  <mc:AlternateContent xmlns:mc="http://schemas.openxmlformats.org/markup-compatibility/2006" xmlns:p14="http://schemas.microsoft.com/office/powerpoint/2010/main">
+    <mc:Choice Requires="p14">
+      <p:transition spd="slow" p14:dur="2000"/>
+    </mc:Choice>
+    <mc:Fallback xmlns="">
+      <p:transition spd="slow"/>
+    </mc:Fallback>
+  </mc:AlternateContent>
+  <p:timing>
+    <p:tnLst>
+      <p:par>
+        <p:cTn id="1" dur="indefinite" restart="never" nodeType="tmRoot"/>
+      </p:par>
+    </p:tnLst>
+  </p:timing>
+</p:sld>
+</file>
+
+<file path=ppt/slides/slide18.xml><?xml version="1.0" encoding="utf-8"?>
+<p:sld xmlns:a="http://schemas.openxmlformats.org/drawingml/2006/main" xmlns:r="http://schemas.openxmlformats.org/officeDocument/2006/relationships" xmlns:p="http://schemas.openxmlformats.org/presentationml/2006/main">
+  <p:cSld>
+    <p:spTree>
+      <p:nvGrpSpPr>
+        <p:cNvPr id="1" name=""/>
+        <p:cNvGrpSpPr/>
+        <p:nvPr/>
+      </p:nvGrpSpPr>
+      <p:grpSpPr>
+        <a:xfrm>
+          <a:off x="0" y="0"/>
+          <a:ext cx="0" cy="0"/>
+          <a:chOff x="0" y="0"/>
+          <a:chExt cx="0" cy="0"/>
+        </a:xfrm>
+      </p:grpSpPr>
+      <p:sp>
+        <p:nvSpPr>
+          <p:cNvPr id="2" name="Title 1"/>
+          <p:cNvSpPr>
+            <a:spLocks noGrp="1"/>
+          </p:cNvSpPr>
+          <p:nvPr>
+            <p:ph type="title"/>
+          </p:nvPr>
+        </p:nvSpPr>
+        <p:spPr/>
+        <p:txBody>
+          <a:bodyPr/>
+          <a:lstStyle/>
+          <a:p>
+            <a:r>
+              <a:rPr lang="sr-Cyrl-RS" dirty="0" smtClean="0">
+                <a:solidFill>
+                  <a:schemeClr val="tx1"/>
+                </a:solidFill>
+              </a:rPr>
+              <a:t>Приказивање резултата</a:t>
+            </a:r>
+            <a:endParaRPr lang="sr-Cyrl-RS" dirty="0">
+              <a:solidFill>
+                <a:schemeClr val="tx1"/>
+              </a:solidFill>
+            </a:endParaRPr>
+          </a:p>
+        </p:txBody>
+      </p:sp>
+      <p:sp>
+        <p:nvSpPr>
+          <p:cNvPr id="3" name="Content Placeholder 2"/>
+          <p:cNvSpPr>
+            <a:spLocks noGrp="1"/>
+          </p:cNvSpPr>
+          <p:nvPr>
+            <p:ph idx="1"/>
+          </p:nvPr>
+        </p:nvSpPr>
+        <p:spPr/>
+        <p:txBody>
+          <a:bodyPr/>
+          <a:lstStyle/>
+          <a:p>
+            <a:r>
+              <a:rPr lang="sr-Cyrl-RS" dirty="0" smtClean="0"/>
+              <a:t>Слике у датасету су распоређене по фолдерима који носе називе брендова аутомобила</a:t>
+            </a:r>
+          </a:p>
+          <a:p>
+            <a:r>
+              <a:rPr lang="sr-Cyrl-RS" dirty="0" smtClean="0"/>
+              <a:t>Узима се назив фолдера у ком се налази слика која има највећи број поклапања кључних тачака</a:t>
+            </a:r>
+          </a:p>
+          <a:p>
+            <a:r>
+              <a:rPr lang="sr-Cyrl-RS" dirty="0" smtClean="0"/>
+              <a:t>Назив тог фолдера се исписује као резултат</a:t>
+            </a:r>
+            <a:endParaRPr lang="sr-Cyrl-RS" dirty="0"/>
+          </a:p>
+        </p:txBody>
+      </p:sp>
+    </p:spTree>
+    <p:extLst>
+      <p:ext uri="{BB962C8B-B14F-4D97-AF65-F5344CB8AC3E}">
+        <p14:creationId xmlns:p14="http://schemas.microsoft.com/office/powerpoint/2010/main" val="2670870558"/>
+      </p:ext>
+    </p:extLst>
+  </p:cSld>
+  <p:clrMapOvr>
+    <a:masterClrMapping/>
+  </p:clrMapOvr>
+  <mc:AlternateContent xmlns:mc="http://schemas.openxmlformats.org/markup-compatibility/2006" xmlns:p14="http://schemas.microsoft.com/office/powerpoint/2010/main">
+    <mc:Choice Requires="p14">
+      <p:transition spd="slow" p14:dur="2000"/>
+    </mc:Choice>
+    <mc:Fallback xmlns="">
+      <p:transition spd="slow"/>
+    </mc:Fallback>
+  </mc:AlternateContent>
+  <p:timing>
+    <p:tnLst>
+      <p:par>
+        <p:cTn id="1" dur="indefinite" restart="never" nodeType="tmRoot"/>
+      </p:par>
+    </p:tnLst>
+  </p:timing>
+</p:sld>
+</file>
+
+<file path=ppt/slides/slide19.xml><?xml version="1.0" encoding="utf-8"?>
+<p:sld xmlns:a="http://schemas.openxmlformats.org/drawingml/2006/main" xmlns:r="http://schemas.openxmlformats.org/officeDocument/2006/relationships" xmlns:p="http://schemas.openxmlformats.org/presentationml/2006/main">
+  <p:cSld>
+    <p:spTree>
+      <p:nvGrpSpPr>
+        <p:cNvPr id="1" name=""/>
+        <p:cNvGrpSpPr/>
+        <p:nvPr/>
+      </p:nvGrpSpPr>
+      <p:grpSpPr>
+        <a:xfrm>
+          <a:off x="0" y="0"/>
+          <a:ext cx="0" cy="0"/>
+          <a:chOff x="0" y="0"/>
+          <a:chExt cx="0" cy="0"/>
+        </a:xfrm>
+      </p:grpSpPr>
+      <p:sp>
+        <p:nvSpPr>
+          <p:cNvPr id="2" name="Title 1"/>
+          <p:cNvSpPr>
+            <a:spLocks noGrp="1"/>
+          </p:cNvSpPr>
+          <p:nvPr>
+            <p:ph type="title"/>
+          </p:nvPr>
+        </p:nvSpPr>
+        <p:spPr/>
+        <p:txBody>
+          <a:bodyPr/>
+          <a:lstStyle/>
+          <a:p>
+            <a:r>
+              <a:rPr lang="sr-Cyrl-RS" dirty="0" smtClean="0">
+                <a:solidFill>
+                  <a:schemeClr val="tx1"/>
+                </a:solidFill>
+              </a:rPr>
+              <a:t>Тестирање резултата</a:t>
+            </a:r>
+            <a:endParaRPr lang="sr-Cyrl-RS" dirty="0"/>
+          </a:p>
+        </p:txBody>
+      </p:sp>
+      <p:sp>
+        <p:nvSpPr>
+          <p:cNvPr id="3" name="Content Placeholder 2"/>
+          <p:cNvSpPr>
+            <a:spLocks noGrp="1"/>
+          </p:cNvSpPr>
+          <p:nvPr>
+            <p:ph idx="1"/>
+          </p:nvPr>
+        </p:nvSpPr>
+        <p:spPr/>
+        <p:txBody>
+          <a:bodyPr/>
+          <a:lstStyle/>
+          <a:p>
+            <a:r>
+              <a:rPr lang="sr-Cyrl-RS" dirty="0" smtClean="0"/>
+              <a:t>У пројекту су подржани логои 4 бренда:</a:t>
+            </a:r>
+          </a:p>
+          <a:p>
+            <a:pPr lvl="1"/>
+            <a:r>
+              <a:rPr lang="sr-Cyrl-RS" dirty="0" smtClean="0"/>
+              <a:t>Алфа Ромео</a:t>
+            </a:r>
+          </a:p>
+          <a:p>
+            <a:pPr lvl="1"/>
+            <a:r>
+              <a:rPr lang="sr-Cyrl-RS" dirty="0" smtClean="0"/>
+              <a:t>БМВ</a:t>
+            </a:r>
+          </a:p>
+          <a:p>
+            <a:pPr lvl="1"/>
+            <a:r>
+              <a:rPr lang="sr-Cyrl-RS" dirty="0" smtClean="0"/>
+              <a:t>Пежо</a:t>
+            </a:r>
+          </a:p>
+          <a:p>
+            <a:pPr lvl="1"/>
+            <a:r>
+              <a:rPr lang="sr-Cyrl-RS" dirty="0" smtClean="0"/>
+              <a:t>Шкода</a:t>
+            </a:r>
+          </a:p>
+          <a:p>
+            <a:r>
+              <a:rPr lang="sr-Cyrl-RS" dirty="0" smtClean="0"/>
+              <a:t>Датасет смањен на по 4 слике да би се убрзао процес</a:t>
+            </a:r>
+          </a:p>
+        </p:txBody>
+      </p:sp>
+    </p:spTree>
+    <p:extLst>
+      <p:ext uri="{BB962C8B-B14F-4D97-AF65-F5344CB8AC3E}">
+        <p14:creationId xmlns:p14="http://schemas.microsoft.com/office/powerpoint/2010/main" val="480545572"/>
       </p:ext>
     </p:extLst>
   </p:cSld>
@@ -3985,12 +4927,11 @@
               <a:rPr lang="sr-Cyrl-RS" sz="2400" dirty="0" smtClean="0"/>
               <a:t>Помоћу слике на којој се налази лого аутомобила препознати марку аутомобила</a:t>
             </a:r>
-            <a:endParaRPr lang="sr-Cyrl-RS" sz="2400" dirty="0" smtClean="0"/>
-          </a:p>
-          <a:p>
-            <a:r>
-              <a:rPr lang="sr-Cyrl-RS" sz="2400" smtClean="0"/>
-              <a:t>Пронаћи и имплементирати одговарајући алгоритам за поређење тражене слике са сликама из датасета</a:t>
+          </a:p>
+          <a:p>
+            <a:r>
+              <a:rPr lang="sr-Cyrl-RS" sz="2400" dirty="0" smtClean="0"/>
+              <a:t>Пронаћи и имплементирати најпогоднији алгоритам за поређење тражене слике са сликама из датасета</a:t>
             </a:r>
             <a:endParaRPr lang="sr-Cyrl-RS" sz="2400" dirty="0"/>
           </a:p>
@@ -4014,6 +4955,790 @@
       <p:transition spd="slow"/>
     </mc:Fallback>
   </mc:AlternateContent>
+  <p:timing>
+    <p:tnLst>
+      <p:par>
+        <p:cTn id="1" dur="indefinite" restart="never" nodeType="tmRoot"/>
+      </p:par>
+    </p:tnLst>
+  </p:timing>
+</p:sld>
+</file>
+
+<file path=ppt/slides/slide20.xml><?xml version="1.0" encoding="utf-8"?>
+<p:sld xmlns:a="http://schemas.openxmlformats.org/drawingml/2006/main" xmlns:r="http://schemas.openxmlformats.org/officeDocument/2006/relationships" xmlns:p="http://schemas.openxmlformats.org/presentationml/2006/main">
+  <p:cSld>
+    <p:spTree>
+      <p:nvGrpSpPr>
+        <p:cNvPr id="1" name=""/>
+        <p:cNvGrpSpPr/>
+        <p:nvPr/>
+      </p:nvGrpSpPr>
+      <p:grpSpPr>
+        <a:xfrm>
+          <a:off x="0" y="0"/>
+          <a:ext cx="0" cy="0"/>
+          <a:chOff x="0" y="0"/>
+          <a:chExt cx="0" cy="0"/>
+        </a:xfrm>
+      </p:grpSpPr>
+      <p:sp>
+        <p:nvSpPr>
+          <p:cNvPr id="2" name="Title 1"/>
+          <p:cNvSpPr>
+            <a:spLocks noGrp="1"/>
+          </p:cNvSpPr>
+          <p:nvPr>
+            <p:ph type="title"/>
+          </p:nvPr>
+        </p:nvSpPr>
+        <p:spPr/>
+        <p:txBody>
+          <a:bodyPr/>
+          <a:lstStyle/>
+          <a:p>
+            <a:r>
+              <a:rPr lang="sr-Cyrl-RS" dirty="0">
+                <a:solidFill>
+                  <a:schemeClr val="tx1"/>
+                </a:solidFill>
+              </a:rPr>
+              <a:t>Тестирање резултата</a:t>
+            </a:r>
+            <a:endParaRPr lang="sr-Cyrl-RS" dirty="0"/>
+          </a:p>
+        </p:txBody>
+      </p:sp>
+      <p:sp>
+        <p:nvSpPr>
+          <p:cNvPr id="3" name="Content Placeholder 2"/>
+          <p:cNvSpPr>
+            <a:spLocks noGrp="1"/>
+          </p:cNvSpPr>
+          <p:nvPr>
+            <p:ph idx="1"/>
+          </p:nvPr>
+        </p:nvSpPr>
+        <p:spPr/>
+        <p:txBody>
+          <a:bodyPr/>
+          <a:lstStyle/>
+          <a:p>
+            <a:r>
+              <a:rPr lang="sr-Cyrl-RS" dirty="0" smtClean="0"/>
+              <a:t>Тест слике су преузете са интернета</a:t>
+            </a:r>
+          </a:p>
+          <a:p>
+            <a:r>
+              <a:rPr lang="sr-Cyrl-RS" dirty="0" smtClean="0"/>
+              <a:t>Резултати тестирања на основу 10 тест слика (проценат успешног препознавања):</a:t>
+            </a:r>
+          </a:p>
+          <a:p>
+            <a:pPr lvl="1"/>
+            <a:r>
+              <a:rPr lang="sr-Cyrl-RS" dirty="0" smtClean="0"/>
+              <a:t>Алфа Ромео 80%</a:t>
+            </a:r>
+          </a:p>
+          <a:p>
+            <a:pPr lvl="1"/>
+            <a:r>
+              <a:rPr lang="sr-Cyrl-RS" dirty="0" smtClean="0"/>
+              <a:t>БМВ 70%</a:t>
+            </a:r>
+          </a:p>
+          <a:p>
+            <a:pPr lvl="1"/>
+            <a:r>
+              <a:rPr lang="sr-Cyrl-RS" dirty="0" smtClean="0"/>
+              <a:t>Пежо 50%</a:t>
+            </a:r>
+          </a:p>
+          <a:p>
+            <a:pPr lvl="1"/>
+            <a:r>
+              <a:rPr lang="sr-Cyrl-RS" dirty="0" smtClean="0"/>
+              <a:t>Шкода 90%</a:t>
+            </a:r>
+          </a:p>
+          <a:p>
+            <a:pPr lvl="1"/>
+            <a:endParaRPr lang="sr-Cyrl-RS" dirty="0"/>
+          </a:p>
+        </p:txBody>
+      </p:sp>
+    </p:spTree>
+    <p:extLst>
+      <p:ext uri="{BB962C8B-B14F-4D97-AF65-F5344CB8AC3E}">
+        <p14:creationId xmlns:p14="http://schemas.microsoft.com/office/powerpoint/2010/main" val="3302155698"/>
+      </p:ext>
+    </p:extLst>
+  </p:cSld>
+  <p:clrMapOvr>
+    <a:masterClrMapping/>
+  </p:clrMapOvr>
+  <mc:AlternateContent xmlns:mc="http://schemas.openxmlformats.org/markup-compatibility/2006" xmlns:p14="http://schemas.microsoft.com/office/powerpoint/2010/main">
+    <mc:Choice Requires="p14">
+      <p:transition spd="slow" p14:dur="2000"/>
+    </mc:Choice>
+    <mc:Fallback xmlns="">
+      <p:transition spd="slow"/>
+    </mc:Fallback>
+  </mc:AlternateContent>
+  <p:timing>
+    <p:tnLst>
+      <p:par>
+        <p:cTn id="1" dur="indefinite" restart="never" nodeType="tmRoot"/>
+      </p:par>
+    </p:tnLst>
+  </p:timing>
+</p:sld>
+</file>
+
+<file path=ppt/slides/slide21.xml><?xml version="1.0" encoding="utf-8"?>
+<p:sld xmlns:a="http://schemas.openxmlformats.org/drawingml/2006/main" xmlns:r="http://schemas.openxmlformats.org/officeDocument/2006/relationships" xmlns:p="http://schemas.openxmlformats.org/presentationml/2006/main">
+  <p:cSld>
+    <p:spTree>
+      <p:nvGrpSpPr>
+        <p:cNvPr id="1" name=""/>
+        <p:cNvGrpSpPr/>
+        <p:nvPr/>
+      </p:nvGrpSpPr>
+      <p:grpSpPr>
+        <a:xfrm>
+          <a:off x="0" y="0"/>
+          <a:ext cx="0" cy="0"/>
+          <a:chOff x="0" y="0"/>
+          <a:chExt cx="0" cy="0"/>
+        </a:xfrm>
+      </p:grpSpPr>
+      <p:sp>
+        <p:nvSpPr>
+          <p:cNvPr id="2" name="Title 1"/>
+          <p:cNvSpPr>
+            <a:spLocks noGrp="1"/>
+          </p:cNvSpPr>
+          <p:nvPr>
+            <p:ph type="title"/>
+          </p:nvPr>
+        </p:nvSpPr>
+        <p:spPr/>
+        <p:txBody>
+          <a:bodyPr/>
+          <a:lstStyle/>
+          <a:p>
+            <a:r>
+              <a:rPr lang="sr-Cyrl-RS" dirty="0" smtClean="0">
+                <a:solidFill>
+                  <a:schemeClr val="tx1"/>
+                </a:solidFill>
+              </a:rPr>
+              <a:t>Могућности даљег развоја</a:t>
+            </a:r>
+            <a:endParaRPr lang="sr-Cyrl-RS" dirty="0">
+              <a:solidFill>
+                <a:schemeClr val="tx1"/>
+              </a:solidFill>
+            </a:endParaRPr>
+          </a:p>
+        </p:txBody>
+      </p:sp>
+      <p:sp>
+        <p:nvSpPr>
+          <p:cNvPr id="3" name="Content Placeholder 2"/>
+          <p:cNvSpPr>
+            <a:spLocks noGrp="1"/>
+          </p:cNvSpPr>
+          <p:nvPr>
+            <p:ph idx="1"/>
+          </p:nvPr>
+        </p:nvSpPr>
+        <p:spPr/>
+        <p:txBody>
+          <a:bodyPr/>
+          <a:lstStyle/>
+          <a:p>
+            <a:r>
+              <a:rPr lang="sr-Cyrl-RS" dirty="0" smtClean="0"/>
+              <a:t>Чување кључних тачака и дескриптора у текстуалном фајлу</a:t>
+            </a:r>
+          </a:p>
+          <a:p>
+            <a:r>
+              <a:rPr lang="sr-Cyrl-RS" dirty="0" smtClean="0"/>
+              <a:t>Корићшење слајдера на тест слици</a:t>
+            </a:r>
+          </a:p>
+          <a:p>
+            <a:pPr lvl="1"/>
+            <a:r>
+              <a:rPr lang="sr-Cyrl-RS" dirty="0" smtClean="0"/>
+              <a:t>Поређење фрејмова са подацима из тескт. Датотеке</a:t>
+            </a:r>
+          </a:p>
+          <a:p>
+            <a:r>
+              <a:rPr lang="sr-Cyrl-RS" dirty="0" smtClean="0"/>
+              <a:t>Обучавање конволутивне неуронске мреже подацима из текстуалне датотеке</a:t>
+            </a:r>
+          </a:p>
+        </p:txBody>
+      </p:sp>
+    </p:spTree>
+    <p:extLst>
+      <p:ext uri="{BB962C8B-B14F-4D97-AF65-F5344CB8AC3E}">
+        <p14:creationId xmlns:p14="http://schemas.microsoft.com/office/powerpoint/2010/main" val="3258310304"/>
+      </p:ext>
+    </p:extLst>
+  </p:cSld>
+  <p:clrMapOvr>
+    <a:masterClrMapping/>
+  </p:clrMapOvr>
+  <mc:AlternateContent xmlns:mc="http://schemas.openxmlformats.org/markup-compatibility/2006" xmlns:p14="http://schemas.microsoft.com/office/powerpoint/2010/main">
+    <mc:Choice Requires="p14">
+      <p:transition spd="slow" p14:dur="2000"/>
+    </mc:Choice>
+    <mc:Fallback xmlns="">
+      <p:transition spd="slow"/>
+    </mc:Fallback>
+  </mc:AlternateContent>
+  <p:timing>
+    <p:tnLst>
+      <p:par>
+        <p:cTn id="1" dur="indefinite" restart="never" nodeType="tmRoot"/>
+      </p:par>
+    </p:tnLst>
+  </p:timing>
+</p:sld>
+</file>
+
+<file path=ppt/slides/slide22.xml><?xml version="1.0" encoding="utf-8"?>
+<p:sld xmlns:a="http://schemas.openxmlformats.org/drawingml/2006/main" xmlns:r="http://schemas.openxmlformats.org/officeDocument/2006/relationships" xmlns:p="http://schemas.openxmlformats.org/presentationml/2006/main">
+  <p:cSld>
+    <p:spTree>
+      <p:nvGrpSpPr>
+        <p:cNvPr id="1" name=""/>
+        <p:cNvGrpSpPr/>
+        <p:nvPr/>
+      </p:nvGrpSpPr>
+      <p:grpSpPr>
+        <a:xfrm>
+          <a:off x="0" y="0"/>
+          <a:ext cx="0" cy="0"/>
+          <a:chOff x="0" y="0"/>
+          <a:chExt cx="0" cy="0"/>
+        </a:xfrm>
+      </p:grpSpPr>
+      <p:sp>
+        <p:nvSpPr>
+          <p:cNvPr id="2" name="Title 1"/>
+          <p:cNvSpPr>
+            <a:spLocks noGrp="1"/>
+          </p:cNvSpPr>
+          <p:nvPr>
+            <p:ph type="title"/>
+          </p:nvPr>
+        </p:nvSpPr>
+        <p:spPr/>
+        <p:txBody>
+          <a:bodyPr>
+            <a:normAutofit fontScale="90000"/>
+          </a:bodyPr>
+          <a:lstStyle/>
+          <a:p>
+            <a:r>
+              <a:rPr lang="sr-Cyrl-RS" dirty="0" smtClean="0">
+                <a:solidFill>
+                  <a:schemeClr val="tx1"/>
+                </a:solidFill>
+              </a:rPr>
+              <a:t>Остале коришћене технике у пројекту</a:t>
+            </a:r>
+            <a:endParaRPr lang="sr-Cyrl-RS" dirty="0">
+              <a:solidFill>
+                <a:schemeClr val="tx1"/>
+              </a:solidFill>
+            </a:endParaRPr>
+          </a:p>
+        </p:txBody>
+      </p:sp>
+      <p:sp>
+        <p:nvSpPr>
+          <p:cNvPr id="3" name="Content Placeholder 2"/>
+          <p:cNvSpPr>
+            <a:spLocks noGrp="1"/>
+          </p:cNvSpPr>
+          <p:nvPr>
+            <p:ph idx="1"/>
+          </p:nvPr>
+        </p:nvSpPr>
+        <p:spPr/>
+        <p:txBody>
+          <a:bodyPr/>
+          <a:lstStyle/>
+          <a:p>
+            <a:r>
+              <a:rPr lang="sr-Cyrl-RS" dirty="0" smtClean="0"/>
+              <a:t>Обучавање неуронске мреже коришћене на вежбама</a:t>
+            </a:r>
+          </a:p>
+          <a:p>
+            <a:pPr lvl="1"/>
+            <a:r>
+              <a:rPr lang="sr-Cyrl-RS" dirty="0" smtClean="0"/>
+              <a:t>Као улаз, коришћен је дескриптор који се рачунао на основу боја које се налазе на слици</a:t>
+            </a:r>
+          </a:p>
+          <a:p>
+            <a:pPr lvl="1"/>
+            <a:r>
+              <a:rPr lang="sr-Cyrl-RS" dirty="0" smtClean="0"/>
+              <a:t>1440 димензија</a:t>
+            </a:r>
+          </a:p>
+          <a:p>
+            <a:pPr lvl="1"/>
+            <a:r>
+              <a:rPr lang="sr-Cyrl-RS" dirty="0" smtClean="0"/>
+              <a:t>Предуго обучавање неуронске мреже</a:t>
+            </a:r>
+          </a:p>
+          <a:p>
+            <a:pPr lvl="1"/>
+            <a:r>
+              <a:rPr lang="sr-Cyrl-RS" dirty="0" smtClean="0"/>
+              <a:t>Питање да ли би, и колико би били бољи резултати</a:t>
+            </a:r>
+          </a:p>
+          <a:p>
+            <a:pPr lvl="1"/>
+            <a:r>
+              <a:rPr lang="sr-Cyrl-RS" dirty="0" smtClean="0"/>
+              <a:t>Пр: Мерцедес и Мазда, слични знакови, сличне боје?</a:t>
+            </a:r>
+            <a:endParaRPr lang="sr-Cyrl-RS" dirty="0"/>
+          </a:p>
+        </p:txBody>
+      </p:sp>
+    </p:spTree>
+    <p:extLst>
+      <p:ext uri="{BB962C8B-B14F-4D97-AF65-F5344CB8AC3E}">
+        <p14:creationId xmlns:p14="http://schemas.microsoft.com/office/powerpoint/2010/main" val="996485688"/>
+      </p:ext>
+    </p:extLst>
+  </p:cSld>
+  <p:clrMapOvr>
+    <a:masterClrMapping/>
+  </p:clrMapOvr>
+  <mc:AlternateContent xmlns:mc="http://schemas.openxmlformats.org/markup-compatibility/2006" xmlns:p14="http://schemas.microsoft.com/office/powerpoint/2010/main">
+    <mc:Choice Requires="p14">
+      <p:transition spd="slow" p14:dur="2000"/>
+    </mc:Choice>
+    <mc:Fallback xmlns="">
+      <p:transition spd="slow"/>
+    </mc:Fallback>
+  </mc:AlternateContent>
+  <p:timing>
+    <p:tnLst>
+      <p:par>
+        <p:cTn id="1" dur="indefinite" restart="never" nodeType="tmRoot"/>
+      </p:par>
+    </p:tnLst>
+  </p:timing>
+</p:sld>
+</file>
+
+<file path=ppt/slides/slide23.xml><?xml version="1.0" encoding="utf-8"?>
+<p:sld xmlns:a="http://schemas.openxmlformats.org/drawingml/2006/main" xmlns:r="http://schemas.openxmlformats.org/officeDocument/2006/relationships" xmlns:p="http://schemas.openxmlformats.org/presentationml/2006/main">
+  <p:cSld>
+    <p:spTree>
+      <p:nvGrpSpPr>
+        <p:cNvPr id="1" name=""/>
+        <p:cNvGrpSpPr/>
+        <p:nvPr/>
+      </p:nvGrpSpPr>
+      <p:grpSpPr>
+        <a:xfrm>
+          <a:off x="0" y="0"/>
+          <a:ext cx="0" cy="0"/>
+          <a:chOff x="0" y="0"/>
+          <a:chExt cx="0" cy="0"/>
+        </a:xfrm>
+      </p:grpSpPr>
+      <p:sp>
+        <p:nvSpPr>
+          <p:cNvPr id="2" name="Title 1"/>
+          <p:cNvSpPr>
+            <a:spLocks noGrp="1"/>
+          </p:cNvSpPr>
+          <p:nvPr>
+            <p:ph type="title"/>
+          </p:nvPr>
+        </p:nvSpPr>
+        <p:spPr/>
+        <p:txBody>
+          <a:bodyPr>
+            <a:normAutofit fontScale="90000"/>
+          </a:bodyPr>
+          <a:lstStyle/>
+          <a:p>
+            <a:r>
+              <a:rPr lang="sr-Cyrl-RS" dirty="0">
+                <a:solidFill>
+                  <a:schemeClr val="tx1"/>
+                </a:solidFill>
+              </a:rPr>
+              <a:t>Остале коришћене технике у пројекту</a:t>
+            </a:r>
+            <a:endParaRPr lang="sr-Cyrl-RS" dirty="0"/>
+          </a:p>
+        </p:txBody>
+      </p:sp>
+      <p:sp>
+        <p:nvSpPr>
+          <p:cNvPr id="3" name="Content Placeholder 2"/>
+          <p:cNvSpPr>
+            <a:spLocks noGrp="1"/>
+          </p:cNvSpPr>
+          <p:nvPr>
+            <p:ph idx="1"/>
+          </p:nvPr>
+        </p:nvSpPr>
+        <p:spPr/>
+        <p:txBody>
+          <a:bodyPr/>
+          <a:lstStyle/>
+          <a:p>
+            <a:r>
+              <a:rPr lang="en-US" i="1" dirty="0" smtClean="0"/>
+              <a:t>HOG</a:t>
+            </a:r>
+          </a:p>
+          <a:p>
+            <a:pPr lvl="1"/>
+            <a:r>
+              <a:rPr lang="sr-Cyrl-RS" dirty="0" smtClean="0"/>
+              <a:t>Рађен упоредо са </a:t>
+            </a:r>
+            <a:r>
+              <a:rPr lang="en-US" i="1" dirty="0" smtClean="0"/>
+              <a:t>SIFT-</a:t>
+            </a:r>
+            <a:r>
+              <a:rPr lang="sr-Cyrl-RS" dirty="0" smtClean="0"/>
+              <a:t>ом</a:t>
+            </a:r>
+          </a:p>
+          <a:p>
+            <a:pPr lvl="1"/>
+            <a:r>
+              <a:rPr lang="sr-Cyrl-RS" dirty="0" smtClean="0"/>
+              <a:t>Недовољно развијен (од стране мене)</a:t>
+            </a:r>
+            <a:endParaRPr lang="sr-Cyrl-RS" dirty="0"/>
+          </a:p>
+        </p:txBody>
+      </p:sp>
+    </p:spTree>
+    <p:extLst>
+      <p:ext uri="{BB962C8B-B14F-4D97-AF65-F5344CB8AC3E}">
+        <p14:creationId xmlns:p14="http://schemas.microsoft.com/office/powerpoint/2010/main" val="2394451649"/>
+      </p:ext>
+    </p:extLst>
+  </p:cSld>
+  <p:clrMapOvr>
+    <a:masterClrMapping/>
+  </p:clrMapOvr>
+  <mc:AlternateContent xmlns:mc="http://schemas.openxmlformats.org/markup-compatibility/2006" xmlns:p14="http://schemas.microsoft.com/office/powerpoint/2010/main">
+    <mc:Choice Requires="p14">
+      <p:transition spd="slow" p14:dur="2000"/>
+    </mc:Choice>
+    <mc:Fallback xmlns="">
+      <p:transition spd="slow"/>
+    </mc:Fallback>
+  </mc:AlternateContent>
+  <p:timing>
+    <p:tnLst>
+      <p:par>
+        <p:cTn id="1" dur="indefinite" restart="never" nodeType="tmRoot"/>
+      </p:par>
+    </p:tnLst>
+  </p:timing>
+</p:sld>
+</file>
+
+<file path=ppt/slides/slide24.xml><?xml version="1.0" encoding="utf-8"?>
+<p:sld xmlns:a="http://schemas.openxmlformats.org/drawingml/2006/main" xmlns:r="http://schemas.openxmlformats.org/officeDocument/2006/relationships" xmlns:p="http://schemas.openxmlformats.org/presentationml/2006/main">
+  <p:cSld>
+    <p:spTree>
+      <p:nvGrpSpPr>
+        <p:cNvPr id="1" name=""/>
+        <p:cNvGrpSpPr/>
+        <p:nvPr/>
+      </p:nvGrpSpPr>
+      <p:grpSpPr>
+        <a:xfrm>
+          <a:off x="0" y="0"/>
+          <a:ext cx="0" cy="0"/>
+          <a:chOff x="0" y="0"/>
+          <a:chExt cx="0" cy="0"/>
+        </a:xfrm>
+      </p:grpSpPr>
+      <p:sp>
+        <p:nvSpPr>
+          <p:cNvPr id="2" name="Title 1"/>
+          <p:cNvSpPr>
+            <a:spLocks noGrp="1"/>
+          </p:cNvSpPr>
+          <p:nvPr>
+            <p:ph type="title"/>
+          </p:nvPr>
+        </p:nvSpPr>
+        <p:spPr/>
+        <p:txBody>
+          <a:bodyPr/>
+          <a:lstStyle/>
+          <a:p>
+            <a:r>
+              <a:rPr lang="sr-Cyrl-RS" dirty="0" smtClean="0">
+                <a:solidFill>
+                  <a:schemeClr val="tx1"/>
+                </a:solidFill>
+              </a:rPr>
+              <a:t>Извори:</a:t>
+            </a:r>
+            <a:endParaRPr lang="sr-Cyrl-RS" dirty="0">
+              <a:solidFill>
+                <a:schemeClr val="tx1"/>
+              </a:solidFill>
+            </a:endParaRPr>
+          </a:p>
+        </p:txBody>
+      </p:sp>
+      <p:sp>
+        <p:nvSpPr>
+          <p:cNvPr id="3" name="Content Placeholder 2"/>
+          <p:cNvSpPr>
+            <a:spLocks noGrp="1"/>
+          </p:cNvSpPr>
+          <p:nvPr>
+            <p:ph idx="1"/>
+          </p:nvPr>
+        </p:nvSpPr>
+        <p:spPr/>
+        <p:txBody>
+          <a:bodyPr/>
+          <a:lstStyle/>
+          <a:p>
+            <a:r>
+              <a:rPr lang="en-US" sz="2000" dirty="0">
+                <a:hlinkClick r:id="rId2"/>
+              </a:rPr>
+              <a:t>https://</a:t>
+            </a:r>
+            <a:r>
+              <a:rPr lang="en-US" sz="2000" dirty="0" smtClean="0">
+                <a:hlinkClick r:id="rId2"/>
+              </a:rPr>
+              <a:t>en.wikipedia.org/wiki/Histogram_of_oriented_gradients</a:t>
+            </a:r>
+            <a:endParaRPr lang="sr-Cyrl-RS" dirty="0"/>
+          </a:p>
+          <a:p>
+            <a:r>
+              <a:rPr lang="en-US" sz="2000" dirty="0">
+                <a:hlinkClick r:id="rId3"/>
+              </a:rPr>
+              <a:t>https://</a:t>
+            </a:r>
+            <a:r>
+              <a:rPr lang="en-US" sz="2000" dirty="0" smtClean="0">
+                <a:hlinkClick r:id="rId3"/>
+              </a:rPr>
+              <a:t>en.wikipedia.org/wiki/AdaBoost</a:t>
+            </a:r>
+            <a:endParaRPr lang="sr-Cyrl-RS" sz="2000" dirty="0" smtClean="0"/>
+          </a:p>
+          <a:p>
+            <a:r>
+              <a:rPr lang="en-US" sz="2000" dirty="0">
+                <a:hlinkClick r:id="rId4"/>
+              </a:rPr>
+              <a:t>https://</a:t>
+            </a:r>
+            <a:r>
+              <a:rPr lang="en-US" sz="2000" dirty="0" smtClean="0">
+                <a:hlinkClick r:id="rId4"/>
+              </a:rPr>
+              <a:t>en.wikipedia.org/wiki/Scale-invariant_feature_transform</a:t>
+            </a:r>
+            <a:endParaRPr lang="sr-Cyrl-RS" sz="2000" dirty="0" smtClean="0"/>
+          </a:p>
+          <a:p>
+            <a:r>
+              <a:rPr lang="en-US" sz="2000" dirty="0">
+                <a:hlinkClick r:id="rId5"/>
+              </a:rPr>
+              <a:t>http://www.pyimagesearch.com/2015/04/13/implementing-rootsift-in-python-and-opencv</a:t>
+            </a:r>
+            <a:r>
+              <a:rPr lang="en-US" sz="2000" dirty="0" smtClean="0">
+                <a:hlinkClick r:id="rId5"/>
+              </a:rPr>
+              <a:t>/</a:t>
+            </a:r>
+            <a:endParaRPr lang="en-US" sz="2000" dirty="0" smtClean="0"/>
+          </a:p>
+          <a:p>
+            <a:r>
+              <a:rPr lang="en-US" sz="2000" dirty="0"/>
+              <a:t>https://www.robots.ox.ac.uk/~vgg/publications/2012/Arandjelovic12/arandjelovic12.pdf</a:t>
+            </a:r>
+            <a:endParaRPr lang="sr-Cyrl-RS" sz="2000" dirty="0" smtClean="0"/>
+          </a:p>
+          <a:p>
+            <a:pPr marL="137160" indent="0">
+              <a:buNone/>
+            </a:pPr>
+            <a:endParaRPr lang="sr-Cyrl-RS" sz="2000" dirty="0" smtClean="0"/>
+          </a:p>
+          <a:p>
+            <a:endParaRPr lang="sr-Cyrl-RS" sz="2000" dirty="0" smtClean="0"/>
+          </a:p>
+          <a:p>
+            <a:endParaRPr lang="sr-Cyrl-RS" sz="2000" dirty="0" smtClean="0"/>
+          </a:p>
+        </p:txBody>
+      </p:sp>
+    </p:spTree>
+    <p:extLst>
+      <p:ext uri="{BB962C8B-B14F-4D97-AF65-F5344CB8AC3E}">
+        <p14:creationId xmlns:p14="http://schemas.microsoft.com/office/powerpoint/2010/main" val="2382457567"/>
+      </p:ext>
+    </p:extLst>
+  </p:cSld>
+  <p:clrMapOvr>
+    <a:masterClrMapping/>
+  </p:clrMapOvr>
+  <mc:AlternateContent xmlns:mc="http://schemas.openxmlformats.org/markup-compatibility/2006" xmlns:p14="http://schemas.microsoft.com/office/powerpoint/2010/main">
+    <mc:Choice Requires="p14">
+      <p:transition spd="slow" p14:dur="2000"/>
+    </mc:Choice>
+    <mc:Fallback xmlns="">
+      <p:transition spd="slow"/>
+    </mc:Fallback>
+  </mc:AlternateContent>
+  <p:timing>
+    <p:tnLst>
+      <p:par>
+        <p:cTn id="1" dur="indefinite" restart="never" nodeType="tmRoot"/>
+      </p:par>
+    </p:tnLst>
+  </p:timing>
+</p:sld>
+</file>
+
+<file path=ppt/slides/slide25.xml><?xml version="1.0" encoding="utf-8"?>
+<p:sld xmlns:a="http://schemas.openxmlformats.org/drawingml/2006/main" xmlns:r="http://schemas.openxmlformats.org/officeDocument/2006/relationships" xmlns:p="http://schemas.openxmlformats.org/presentationml/2006/main">
+  <p:cSld>
+    <p:spTree>
+      <p:nvGrpSpPr>
+        <p:cNvPr id="1" name=""/>
+        <p:cNvGrpSpPr/>
+        <p:nvPr/>
+      </p:nvGrpSpPr>
+      <p:grpSpPr>
+        <a:xfrm>
+          <a:off x="0" y="0"/>
+          <a:ext cx="0" cy="0"/>
+          <a:chOff x="0" y="0"/>
+          <a:chExt cx="0" cy="0"/>
+        </a:xfrm>
+      </p:grpSpPr>
+      <p:sp>
+        <p:nvSpPr>
+          <p:cNvPr id="2" name="Title 1"/>
+          <p:cNvSpPr>
+            <a:spLocks noGrp="1"/>
+          </p:cNvSpPr>
+          <p:nvPr>
+            <p:ph type="title"/>
+          </p:nvPr>
+        </p:nvSpPr>
+        <p:spPr>
+          <a:xfrm>
+            <a:off x="467544" y="2852936"/>
+            <a:ext cx="8229600" cy="1143000"/>
+          </a:xfrm>
+        </p:spPr>
+        <p:txBody>
+          <a:bodyPr/>
+          <a:lstStyle/>
+          <a:p>
+            <a:r>
+              <a:rPr lang="sr-Cyrl-RS" dirty="0" smtClean="0">
+                <a:solidFill>
+                  <a:schemeClr val="tx1"/>
+                </a:solidFill>
+              </a:rPr>
+              <a:t>Крај презентације</a:t>
+            </a:r>
+            <a:endParaRPr lang="sr-Cyrl-RS" dirty="0">
+              <a:solidFill>
+                <a:schemeClr val="tx1"/>
+              </a:solidFill>
+            </a:endParaRPr>
+          </a:p>
+        </p:txBody>
+      </p:sp>
+      <p:sp>
+        <p:nvSpPr>
+          <p:cNvPr id="3" name="Content Placeholder 2"/>
+          <p:cNvSpPr>
+            <a:spLocks noGrp="1"/>
+          </p:cNvSpPr>
+          <p:nvPr>
+            <p:ph idx="1"/>
+          </p:nvPr>
+        </p:nvSpPr>
+        <p:spPr>
+          <a:noFill/>
+        </p:spPr>
+        <p:txBody>
+          <a:bodyPr/>
+          <a:lstStyle/>
+          <a:p>
+            <a:endParaRPr lang="sr-Cyrl-RS" dirty="0"/>
+          </a:p>
+        </p:txBody>
+      </p:sp>
+    </p:spTree>
+    <p:extLst>
+      <p:ext uri="{BB962C8B-B14F-4D97-AF65-F5344CB8AC3E}">
+        <p14:creationId xmlns:p14="http://schemas.microsoft.com/office/powerpoint/2010/main" val="3614392773"/>
+      </p:ext>
+    </p:extLst>
+  </p:cSld>
+  <p:clrMapOvr>
+    <a:masterClrMapping/>
+  </p:clrMapOvr>
+  <mc:AlternateContent xmlns:mc="http://schemas.openxmlformats.org/markup-compatibility/2006" xmlns:p14="http://schemas.microsoft.com/office/powerpoint/2010/main">
+    <mc:Choice Requires="p14">
+      <p:transition spd="slow" p14:dur="2000"/>
+    </mc:Choice>
+    <mc:Fallback xmlns="">
+      <p:transition spd="slow"/>
+    </mc:Fallback>
+  </mc:AlternateContent>
+  <p:timing>
+    <p:tnLst>
+      <p:par>
+        <p:cTn id="1" dur="indefinite" restart="never" nodeType="tmRoot"/>
+      </p:par>
+    </p:tnLst>
+  </p:timing>
 </p:sld>
 </file>
 
@@ -4120,6 +5845,13 @@
       <p:transition spd="slow"/>
     </mc:Fallback>
   </mc:AlternateContent>
+  <p:timing>
+    <p:tnLst>
+      <p:par>
+        <p:cTn id="1" dur="indefinite" restart="never" nodeType="tmRoot"/>
+      </p:par>
+    </p:tnLst>
+  </p:timing>
 </p:sld>
 </file>
 
@@ -4190,89 +5922,46 @@
           <a:p>
             <a:r>
               <a:rPr lang="sr-Cyrl-RS" sz="2400" dirty="0" smtClean="0"/>
-              <a:t>Постоји много научних радова на ову тему</a:t>
+              <a:t>Нема много комерцијалних решења на ову тему</a:t>
             </a:r>
           </a:p>
           <a:p>
             <a:r>
               <a:rPr lang="sr-Cyrl-RS" sz="2400" dirty="0" smtClean="0"/>
-              <a:t>Примери:</a:t>
-            </a:r>
-          </a:p>
-          <a:p>
-            <a:pPr lvl="1"/>
-            <a:r>
-              <a:rPr lang="en-US" sz="2000" dirty="0"/>
-              <a:t>https://www.youtube.com/watch?v=_VFUXFirTX4</a:t>
-            </a:r>
-            <a:endParaRPr lang="sr-Cyrl-RS" sz="2000" dirty="0"/>
-          </a:p>
-          <a:p>
-            <a:pPr lvl="1"/>
-            <a:r>
-              <a:rPr lang="en-US" sz="2000" dirty="0" smtClean="0">
-                <a:hlinkClick r:id="rId2"/>
-              </a:rPr>
-              <a:t>http</a:t>
-            </a:r>
-            <a:r>
-              <a:rPr lang="en-US" sz="2000" dirty="0">
-                <a:hlinkClick r:id="rId2"/>
-              </a:rPr>
-              <a:t>://</a:t>
-            </a:r>
-            <a:r>
-              <a:rPr lang="en-US" sz="2000" dirty="0" smtClean="0">
-                <a:hlinkClick r:id="rId2"/>
-              </a:rPr>
-              <a:t>www.icmlc.org/icmlc2012/018_icmlc2012.pdf</a:t>
-            </a:r>
-            <a:endParaRPr lang="sr-Cyrl-RS" sz="2000" dirty="0" smtClean="0"/>
-          </a:p>
-          <a:p>
-            <a:pPr lvl="1"/>
-            <a:r>
-              <a:rPr lang="en-US" sz="2000" dirty="0">
-                <a:hlinkClick r:id="rId3"/>
-              </a:rPr>
-              <a:t>http://</a:t>
-            </a:r>
-            <a:r>
-              <a:rPr lang="en-US" sz="2000" dirty="0" smtClean="0">
-                <a:hlinkClick r:id="rId3"/>
-              </a:rPr>
-              <a:t>islab.ulsan.ac.kr/files/announcement/322/Vehicle%20Logo%20Recognition%20Using%20a%20SIFT-Based.pdf</a:t>
-            </a:r>
-            <a:endParaRPr lang="sr-Cyrl-RS" sz="2000" dirty="0" smtClean="0"/>
-          </a:p>
-          <a:p>
-            <a:pPr lvl="1"/>
-            <a:r>
-              <a:rPr lang="en-US" sz="2000" dirty="0">
-                <a:hlinkClick r:id="rId4"/>
-              </a:rPr>
-              <a:t>http://</a:t>
-            </a:r>
-            <a:r>
-              <a:rPr lang="en-US" sz="2000" dirty="0" smtClean="0">
-                <a:hlinkClick r:id="rId4"/>
-              </a:rPr>
-              <a:t>conf-scoop.org/ACV-2014/6.N.Farajzadeh_ACV.pdf</a:t>
-            </a:r>
-            <a:endParaRPr lang="sr-Cyrl-RS" sz="2000" dirty="0" smtClean="0"/>
-          </a:p>
-          <a:p>
-            <a:pPr marL="585216" lvl="1" indent="0">
-              <a:buNone/>
-            </a:pPr>
-            <a:endParaRPr lang="sr-Cyrl-RS" sz="2000" dirty="0"/>
+              <a:t>Она која постоје имају шири домен, као нпр </a:t>
+            </a:r>
+            <a:r>
+              <a:rPr lang="en-US" sz="2400" i="1" dirty="0" err="1" smtClean="0"/>
+              <a:t>CamFind</a:t>
+            </a:r>
+            <a:r>
+              <a:rPr lang="en-US" sz="2400" i="1" dirty="0" smtClean="0"/>
+              <a:t> </a:t>
+            </a:r>
+            <a:r>
+              <a:rPr lang="sr-Cyrl-RS" sz="2400" dirty="0" smtClean="0"/>
+              <a:t>и </a:t>
+            </a:r>
+            <a:r>
+              <a:rPr lang="en-US" sz="2400" i="1" dirty="0" err="1" smtClean="0"/>
+              <a:t>Clarifai</a:t>
+            </a:r>
+            <a:r>
+              <a:rPr lang="sr-Cyrl-RS" sz="2400" i="1" dirty="0" smtClean="0"/>
+              <a:t> </a:t>
+            </a:r>
+            <a:r>
+              <a:rPr lang="sr-Cyrl-RS" sz="2400" dirty="0" smtClean="0"/>
+              <a:t>који препознају све објекте на слици и дају опис</a:t>
+            </a:r>
+            <a:endParaRPr lang="sr-Cyrl-RS" sz="2400" i="1" dirty="0"/>
           </a:p>
         </p:txBody>
       </p:sp>
     </p:spTree>
     <p:extLst>
       <p:ext uri="{BB962C8B-B14F-4D97-AF65-F5344CB8AC3E}">
-        <p14:creationId xmlns:p14="http://schemas.microsoft.com/office/powerpoint/2010/main" val="3399113683"/>
+        <p14:creationId xmlns:p14="http://schemas.microsoft.com/office/powerpoint/2010/main" val="1203817381"/>
       </p:ext>
     </p:extLst>
   </p:cSld>
@@ -4324,12 +6013,7 @@
             <p:ph type="title"/>
           </p:nvPr>
         </p:nvSpPr>
-        <p:spPr>
-          <a:xfrm>
-            <a:off x="457200" y="260648"/>
-            <a:ext cx="8229600" cy="1143000"/>
-          </a:xfrm>
-        </p:spPr>
+        <p:spPr/>
         <p:txBody>
           <a:bodyPr/>
           <a:lstStyle/>
@@ -4340,7 +6024,7 @@
                   <a:schemeClr val="tx1"/>
                 </a:solidFill>
               </a:rPr>
-              <a:t>Технике препознавања логоа</a:t>
+              <a:t>Постојећа решења</a:t>
             </a:r>
             <a:endParaRPr lang="sr-Cyrl-RS" dirty="0">
               <a:solidFill>
@@ -4368,82 +6052,90 @@
           <a:lstStyle/>
           <a:p>
             <a:r>
-              <a:rPr lang="en-US" sz="2400" dirty="0" smtClean="0"/>
-              <a:t>Scale-invariant feature transform</a:t>
+              <a:rPr lang="sr-Cyrl-RS" sz="2400" dirty="0" smtClean="0"/>
+              <a:t>Постоји много научних радова на ову тему</a:t>
+            </a:r>
+          </a:p>
+          <a:p>
+            <a:r>
+              <a:rPr lang="sr-Cyrl-RS" sz="2400" dirty="0" smtClean="0"/>
+              <a:t>Примери:</a:t>
             </a:r>
           </a:p>
           <a:p>
             <a:pPr lvl="1"/>
             <a:r>
-              <a:rPr lang="en-US" sz="2000" i="1" dirty="0" err="1" smtClean="0"/>
-              <a:t>Grayscale</a:t>
-            </a:r>
-            <a:endParaRPr lang="sr-Cyrl-RS" sz="2000" i="1" dirty="0" smtClean="0"/>
+              <a:rPr lang="en-US" sz="2000" dirty="0"/>
+              <a:t>https://www.youtube.com/watch?v=_VFUXFirTX4</a:t>
+            </a:r>
+            <a:endParaRPr lang="sr-Cyrl-RS" sz="2000" dirty="0"/>
           </a:p>
           <a:p>
             <a:pPr lvl="1"/>
             <a:r>
-              <a:rPr lang="sr-Cyrl-RS" sz="2000" dirty="0" smtClean="0"/>
-              <a:t>филтрирање слике</a:t>
-            </a:r>
+              <a:rPr lang="en-US" sz="2000" dirty="0" smtClean="0">
+                <a:hlinkClick r:id="rId2"/>
+              </a:rPr>
+              <a:t>http</a:t>
+            </a:r>
+            <a:r>
+              <a:rPr lang="en-US" sz="2000" dirty="0">
+                <a:hlinkClick r:id="rId2"/>
+              </a:rPr>
+              <a:t>://</a:t>
+            </a:r>
+            <a:r>
+              <a:rPr lang="en-US" sz="2000" dirty="0" smtClean="0">
+                <a:hlinkClick r:id="rId2"/>
+              </a:rPr>
+              <a:t>www.icmlc.org/icmlc2012/018_icmlc2012.pdf</a:t>
+            </a:r>
+            <a:endParaRPr lang="sr-Cyrl-RS" sz="2000" dirty="0" smtClean="0"/>
           </a:p>
           <a:p>
             <a:pPr lvl="1"/>
             <a:r>
-              <a:rPr lang="sr-Cyrl-RS" sz="2000" dirty="0" smtClean="0"/>
-              <a:t>изоловање региона</a:t>
-            </a:r>
+              <a:rPr lang="en-US" sz="2000" dirty="0">
+                <a:hlinkClick r:id="rId3"/>
+              </a:rPr>
+              <a:t>http://</a:t>
+            </a:r>
+            <a:r>
+              <a:rPr lang="en-US" sz="2000" dirty="0" smtClean="0">
+                <a:hlinkClick r:id="rId3"/>
+              </a:rPr>
+              <a:t>islab.ulsan.ac.kr/files/announcement/322/Vehicle%20Logo%20Recognition%20Using%20a%20SIFT-Based.pdf</a:t>
+            </a:r>
+            <a:endParaRPr lang="sr-Cyrl-RS" sz="2000" dirty="0" smtClean="0"/>
           </a:p>
           <a:p>
             <a:pPr lvl="1"/>
             <a:r>
-              <a:rPr lang="sr-Cyrl-RS" sz="2000" dirty="0" smtClean="0"/>
-              <a:t>Примена </a:t>
-            </a:r>
-            <a:r>
-              <a:rPr lang="en-US" sz="2000" dirty="0" smtClean="0"/>
-              <a:t>SIFT-a</a:t>
-            </a:r>
-          </a:p>
-          <a:p>
-            <a:pPr lvl="1"/>
-            <a:r>
-              <a:rPr lang="sr-Cyrl-RS" sz="2000" dirty="0" smtClean="0"/>
-              <a:t>Поређење кључних тачака региона са одговарајућим логоом</a:t>
-            </a:r>
-          </a:p>
-          <a:p>
-            <a:pPr lvl="1"/>
-            <a:r>
-              <a:rPr lang="sr-Cyrl-RS" sz="2000" dirty="0" smtClean="0"/>
-              <a:t>Мерење сличности</a:t>
-            </a:r>
-          </a:p>
-          <a:p>
-            <a:pPr lvl="1"/>
-            <a:r>
-              <a:rPr lang="sr-Cyrl-RS" sz="2000" dirty="0" smtClean="0"/>
-              <a:t>Показао као веома неефикасан у свакодневним условима</a:t>
-            </a:r>
-          </a:p>
-          <a:p>
-            <a:pPr lvl="1"/>
-            <a:r>
-              <a:rPr lang="sr-Cyrl-RS" sz="2000" dirty="0" smtClean="0"/>
-              <a:t>Користан само на ’’чистијим’’ сликама</a:t>
-            </a:r>
-            <a:endParaRPr lang="sr-Cyrl-RS" sz="2200" dirty="0"/>
-          </a:p>
-          <a:p>
-            <a:pPr lvl="1"/>
-            <a:endParaRPr lang="en-US" sz="2000" dirty="0" smtClean="0"/>
+              <a:rPr lang="en-US" sz="2000" dirty="0">
+                <a:hlinkClick r:id="rId4"/>
+              </a:rPr>
+              <a:t>http://</a:t>
+            </a:r>
+            <a:r>
+              <a:rPr lang="en-US" sz="2000" dirty="0" smtClean="0">
+                <a:hlinkClick r:id="rId4"/>
+              </a:rPr>
+              <a:t>conf-scoop.org/ACV-2014/6.N.Farajzadeh_ACV.pdf</a:t>
+            </a:r>
+            <a:endParaRPr lang="sr-Cyrl-RS" sz="2000" dirty="0" smtClean="0"/>
+          </a:p>
+          <a:p>
+            <a:pPr marL="585216" lvl="1" indent="0">
+              <a:buNone/>
+            </a:pPr>
+            <a:endParaRPr lang="sr-Cyrl-RS" sz="2000" dirty="0"/>
           </a:p>
         </p:txBody>
       </p:sp>
     </p:spTree>
     <p:extLst>
       <p:ext uri="{BB962C8B-B14F-4D97-AF65-F5344CB8AC3E}">
-        <p14:creationId xmlns:p14="http://schemas.microsoft.com/office/powerpoint/2010/main" val="2073129335"/>
+        <p14:creationId xmlns:p14="http://schemas.microsoft.com/office/powerpoint/2010/main" val="3399113683"/>
       </p:ext>
     </p:extLst>
   </p:cSld>
@@ -4495,7 +6187,12 @@
             <p:ph type="title"/>
           </p:nvPr>
         </p:nvSpPr>
-        <p:spPr/>
+        <p:spPr>
+          <a:xfrm>
+            <a:off x="457200" y="260648"/>
+            <a:ext cx="8229600" cy="1143000"/>
+          </a:xfrm>
+        </p:spPr>
         <p:txBody>
           <a:bodyPr/>
           <a:lstStyle/>
@@ -4528,97 +6225,74 @@
         </p:nvSpPr>
         <p:spPr/>
         <p:txBody>
-          <a:bodyPr/>
-          <a:lstStyle/>
-          <a:p>
-            <a:r>
-              <a:rPr lang="en-US" sz="2400" dirty="0"/>
-              <a:t>HOG (Histograms of Oriented Gradients</a:t>
-            </a:r>
+          <a:bodyPr>
+            <a:normAutofit/>
+          </a:bodyPr>
+          <a:lstStyle/>
+          <a:p>
             <a:r>
               <a:rPr lang="en-US" sz="2400" dirty="0" smtClean="0"/>
-              <a:t>)</a:t>
-            </a:r>
-            <a:endParaRPr lang="sr-Cyrl-RS" sz="2400" dirty="0" smtClean="0"/>
+              <a:t>Scale-invariant feature transform</a:t>
+            </a:r>
           </a:p>
           <a:p>
             <a:pPr lvl="1"/>
             <a:r>
+              <a:rPr lang="en-US" sz="2000" i="1" dirty="0" err="1" smtClean="0"/>
+              <a:t>Grayscale</a:t>
+            </a:r>
+            <a:endParaRPr lang="sr-Cyrl-RS" sz="2000" i="1" dirty="0" smtClean="0"/>
+          </a:p>
+          <a:p>
+            <a:pPr lvl="1"/>
+            <a:r>
+              <a:rPr lang="sr-Cyrl-RS" sz="2000" smtClean="0"/>
+              <a:t>Примена </a:t>
+            </a:r>
+            <a:r>
+              <a:rPr lang="en-US" sz="2000" dirty="0" smtClean="0"/>
+              <a:t>SIFT-a</a:t>
+            </a:r>
+          </a:p>
+          <a:p>
+            <a:pPr lvl="1"/>
+            <a:r>
               <a:rPr lang="sr-Cyrl-RS" sz="2000" dirty="0" smtClean="0"/>
-              <a:t>Одређивање градијента на деловима слика (3х3 пиксела нпр)</a:t>
+              <a:t>Поређење кључних тачака региона са одговарајућим логоом</a:t>
             </a:r>
           </a:p>
           <a:p>
             <a:pPr lvl="1"/>
             <a:r>
-              <a:rPr lang="en-US" sz="2000" i="1" dirty="0"/>
-              <a:t>Orientation </a:t>
-            </a:r>
-            <a:r>
-              <a:rPr lang="en-US" sz="2000" i="1" dirty="0" smtClean="0"/>
-              <a:t>binning</a:t>
-            </a:r>
-            <a:endParaRPr lang="sr-Cyrl-RS" sz="2000" i="1" dirty="0" smtClean="0"/>
+              <a:rPr lang="sr-Cyrl-RS" sz="2000" dirty="0" smtClean="0"/>
+              <a:t>Мерење сличности</a:t>
+            </a:r>
           </a:p>
           <a:p>
             <a:pPr lvl="1"/>
             <a:r>
               <a:rPr lang="sr-Cyrl-RS" sz="2000" dirty="0" smtClean="0"/>
-              <a:t>Креирање описних блокова – податке добијене одређивањем градијента смештамо у веће блокове.</a:t>
+              <a:t>Показао као неефикасан у свакодневним условима</a:t>
             </a:r>
           </a:p>
           <a:p>
             <a:pPr lvl="1"/>
             <a:r>
               <a:rPr lang="sr-Cyrl-RS" sz="2000" dirty="0" smtClean="0"/>
-              <a:t>Нормализација блокова</a:t>
-            </a:r>
+              <a:t>Користан само на ’’чистијим’’ сликама</a:t>
+            </a:r>
+            <a:endParaRPr lang="sr-Cyrl-RS" sz="2200" dirty="0"/>
           </a:p>
           <a:p>
             <a:pPr lvl="1"/>
-            <a:r>
-              <a:rPr lang="en-US" sz="2000" i="1" dirty="0" smtClean="0"/>
-              <a:t>SVM</a:t>
-            </a:r>
-            <a:r>
-              <a:rPr lang="en-US" sz="2000" dirty="0" smtClean="0"/>
-              <a:t> (</a:t>
-            </a:r>
-            <a:r>
-              <a:rPr lang="en-US" sz="2000" i="1" dirty="0" smtClean="0"/>
-              <a:t>support vector machine</a:t>
-            </a:r>
-            <a:r>
-              <a:rPr lang="en-US" sz="2000" dirty="0" smtClean="0"/>
-              <a:t>) </a:t>
-            </a:r>
-            <a:r>
-              <a:rPr lang="sr-Cyrl-RS" sz="2000" dirty="0" smtClean="0"/>
-              <a:t>класификација – систем који се обучи тако да може да доноси одлуке</a:t>
-            </a:r>
-          </a:p>
-          <a:p>
-            <a:pPr lvl="1"/>
-            <a:r>
-              <a:rPr lang="sr-Cyrl-RS" sz="2000" dirty="0" smtClean="0"/>
-              <a:t>Генерално, веома ефикасна техника.</a:t>
-            </a:r>
             <a:endParaRPr lang="en-US" sz="2000" dirty="0" smtClean="0"/>
-          </a:p>
-          <a:p>
-            <a:pPr lvl="1"/>
-            <a:endParaRPr lang="en-US" sz="2000" i="1" dirty="0"/>
-          </a:p>
-          <a:p>
-            <a:pPr lvl="1"/>
-            <a:endParaRPr lang="sr-Cyrl-RS" sz="2000" dirty="0"/>
           </a:p>
         </p:txBody>
       </p:sp>
     </p:spTree>
     <p:extLst>
       <p:ext uri="{BB962C8B-B14F-4D97-AF65-F5344CB8AC3E}">
-        <p14:creationId xmlns:p14="http://schemas.microsoft.com/office/powerpoint/2010/main" val="4040735269"/>
+        <p14:creationId xmlns:p14="http://schemas.microsoft.com/office/powerpoint/2010/main" val="2073129335"/>
       </p:ext>
     </p:extLst>
   </p:cSld>
@@ -4672,9 +6346,7 @@
         </p:nvSpPr>
         <p:spPr/>
         <p:txBody>
-          <a:bodyPr>
-            <a:normAutofit fontScale="90000"/>
-          </a:bodyPr>
+          <a:bodyPr/>
           <a:lstStyle/>
           <a:p>
             <a:r>
@@ -4683,7 +6355,7 @@
                   <a:schemeClr val="tx1"/>
                 </a:solidFill>
               </a:rPr>
-              <a:t>Технике за препознавање логоа</a:t>
+              <a:t>Технике препознавања логоа</a:t>
             </a:r>
             <a:endParaRPr lang="sr-Cyrl-RS" dirty="0">
               <a:solidFill>
@@ -4709,100 +6381,93 @@
           <a:lstStyle/>
           <a:p>
             <a:r>
-              <a:rPr lang="en-US" dirty="0" err="1" smtClean="0"/>
-              <a:t>AdaBoost</a:t>
-            </a:r>
-            <a:endParaRPr lang="en-US" dirty="0" smtClean="0"/>
+              <a:rPr lang="en-US" sz="2400" dirty="0"/>
+              <a:t>HOG (Histograms of Oriented Gradients</a:t>
+            </a:r>
+            <a:r>
+              <a:rPr lang="en-US" sz="2400" dirty="0" smtClean="0"/>
+              <a:t>)</a:t>
+            </a:r>
+            <a:endParaRPr lang="sr-Cyrl-RS" sz="2400" dirty="0" smtClean="0"/>
           </a:p>
           <a:p>
             <a:pPr lvl="1"/>
             <a:r>
-              <a:rPr lang="sr-Cyrl-RS" sz="2000" dirty="0"/>
-              <a:t>Скраћено од </a:t>
-            </a:r>
+              <a:rPr lang="sr-Cyrl-RS" sz="2000" dirty="0" smtClean="0"/>
+              <a:t>Одређивање градијента на деловима слика (3х3 пиксела нпр)</a:t>
+            </a:r>
+          </a:p>
+          <a:p>
+            <a:pPr lvl="1"/>
             <a:r>
               <a:rPr lang="en-US" sz="2000" i="1" dirty="0"/>
-              <a:t>Adaptive Boosting</a:t>
-            </a:r>
-            <a:r>
-              <a:rPr lang="sr-Cyrl-RS" sz="2000" i="1" dirty="0"/>
-              <a:t>. </a:t>
-            </a:r>
+              <a:t>Orientation </a:t>
+            </a:r>
+            <a:r>
+              <a:rPr lang="en-US" sz="2000" i="1" dirty="0" smtClean="0"/>
+              <a:t>binning</a:t>
+            </a:r>
+            <a:endParaRPr lang="sr-Cyrl-RS" sz="2000" i="1" dirty="0" smtClean="0"/>
+          </a:p>
+          <a:p>
+            <a:pPr lvl="1"/>
             <a:r>
               <a:rPr lang="sr-Cyrl-RS" sz="2000" dirty="0" smtClean="0"/>
-              <a:t>Може да се комбинује са осталим техиникама за обучавање и да их на тај начин унапређује.</a:t>
+              <a:t>Креирање описних блокова – податке добијене одређивањем градијента смештамо у веће блокове.</a:t>
+            </a:r>
+          </a:p>
+          <a:p>
+            <a:pPr lvl="1"/>
+            <a:r>
+              <a:rPr lang="sr-Cyrl-RS" sz="2000" dirty="0" smtClean="0"/>
+              <a:t>Нормализација блокова</a:t>
+            </a:r>
+          </a:p>
+          <a:p>
+            <a:pPr lvl="1"/>
+            <a:r>
+              <a:rPr lang="en-US" sz="2000" i="1" dirty="0" smtClean="0"/>
+              <a:t>SVM</a:t>
+            </a:r>
+            <a:r>
+              <a:rPr lang="en-US" sz="2000" dirty="0" smtClean="0"/>
+              <a:t> (</a:t>
+            </a:r>
+            <a:r>
+              <a:rPr lang="en-US" sz="2000" i="1" dirty="0" smtClean="0"/>
+              <a:t>support vector machine</a:t>
+            </a:r>
+            <a:r>
+              <a:rPr lang="en-US" sz="2000" dirty="0" smtClean="0"/>
+              <a:t>) </a:t>
+            </a:r>
+            <a:r>
+              <a:rPr lang="sr-Cyrl-RS" sz="2000" dirty="0" smtClean="0"/>
+              <a:t>класификација – систем који се обучи тако да може да доноси одлуке</a:t>
+            </a:r>
+          </a:p>
+          <a:p>
+            <a:pPr lvl="1"/>
+            <a:r>
+              <a:rPr lang="sr-Cyrl-RS" sz="2000" dirty="0" smtClean="0"/>
+              <a:t>Генерално, веома ефикасна техника.</a:t>
             </a:r>
             <a:endParaRPr lang="en-US" sz="2000" dirty="0" smtClean="0"/>
           </a:p>
           <a:p>
-            <a:endParaRPr lang="en-US" dirty="0" smtClean="0"/>
-          </a:p>
-        </p:txBody>
-      </p:sp>
-      <p:pic>
-        <p:nvPicPr>
-          <p:cNvPr id="4" name="Picture 3"/>
-          <p:cNvPicPr>
-            <a:picLocks noChangeAspect="1"/>
-          </p:cNvPicPr>
-          <p:nvPr/>
-        </p:nvPicPr>
-        <p:blipFill>
-          <a:blip r:embed="rId2">
-            <a:extLst>
-              <a:ext uri="{28A0092B-C50C-407E-A947-70E740481C1C}">
-                <a14:useLocalDpi xmlns:a14="http://schemas.microsoft.com/office/drawing/2010/main" val="0"/>
-              </a:ext>
-            </a:extLst>
-          </a:blip>
-          <a:stretch>
-            <a:fillRect/>
-          </a:stretch>
-        </p:blipFill>
-        <p:spPr>
-          <a:xfrm>
-            <a:off x="631420" y="3051458"/>
-            <a:ext cx="7668344" cy="3774819"/>
-          </a:xfrm>
-          <a:prstGeom prst="rect">
-            <a:avLst/>
-          </a:prstGeom>
-        </p:spPr>
-      </p:pic>
-      <p:pic>
-        <p:nvPicPr>
-          <p:cNvPr id="5" name="Picture 4"/>
-          <p:cNvPicPr>
-            <a:picLocks noChangeAspect="1"/>
-          </p:cNvPicPr>
-          <p:nvPr/>
-        </p:nvPicPr>
-        <p:blipFill>
-          <a:blip r:embed="rId3">
-            <a:extLst>
-              <a:ext uri="{28A0092B-C50C-407E-A947-70E740481C1C}">
-                <a14:useLocalDpi xmlns:a14="http://schemas.microsoft.com/office/drawing/2010/main" val="0"/>
-              </a:ext>
-            </a:extLst>
-          </a:blip>
-          <a:stretch>
-            <a:fillRect/>
-          </a:stretch>
-        </p:blipFill>
-        <p:spPr>
-          <a:xfrm>
-            <a:off x="606446" y="2708920"/>
-            <a:ext cx="1066949" cy="228632"/>
-          </a:xfrm>
-          <a:prstGeom prst="rect">
-            <a:avLst/>
-          </a:prstGeom>
-        </p:spPr>
-      </p:pic>
+            <a:pPr lvl="1"/>
+            <a:endParaRPr lang="en-US" sz="2000" i="1" dirty="0"/>
+          </a:p>
+          <a:p>
+            <a:pPr lvl="1"/>
+            <a:endParaRPr lang="sr-Cyrl-RS" sz="2000" dirty="0"/>
+          </a:p>
+        </p:txBody>
+      </p:sp>
     </p:spTree>
     <p:extLst>
       <p:ext uri="{BB962C8B-B14F-4D97-AF65-F5344CB8AC3E}">
-        <p14:creationId xmlns:p14="http://schemas.microsoft.com/office/powerpoint/2010/main" val="3012580023"/>
+        <p14:creationId xmlns:p14="http://schemas.microsoft.com/office/powerpoint/2010/main" val="4040735269"/>
       </p:ext>
     </p:extLst>
   </p:cSld>
@@ -4901,53 +6566,47 @@
           <a:p>
             <a:pPr lvl="1"/>
             <a:r>
+              <a:rPr lang="sr-Cyrl-RS" sz="2000" dirty="0"/>
+              <a:t>Скраћено од </a:t>
+            </a:r>
+            <a:r>
+              <a:rPr lang="en-US" sz="2000" i="1" dirty="0"/>
+              <a:t>Adaptive Boosting</a:t>
+            </a:r>
+            <a:r>
+              <a:rPr lang="sr-Cyrl-RS" sz="2000" i="1" dirty="0"/>
+              <a:t>. </a:t>
+            </a:r>
+            <a:r>
               <a:rPr lang="sr-Cyrl-RS" sz="2000" dirty="0" smtClean="0"/>
-              <a:t>Показала се у неким тестирањима као најефикаснија техника за препознавање селектованих региона</a:t>
+              <a:t>Главна предност ове технике је што се она комбинује са другим техникама за обучавање и на тај начин их унапређује.</a:t>
+            </a:r>
+          </a:p>
+          <a:p>
+            <a:pPr lvl="1"/>
+            <a:r>
+              <a:rPr lang="sr-Cyrl-RS" sz="2000" dirty="0" smtClean="0"/>
+              <a:t>Самим тим, показала се </a:t>
+            </a:r>
+            <a:r>
+              <a:rPr lang="sr-Cyrl-RS" sz="2000" dirty="0"/>
+              <a:t>у неким тестирањима као најефикаснија техника за препознавање селектованих </a:t>
+            </a:r>
+            <a:r>
+              <a:rPr lang="sr-Cyrl-RS" sz="2000" dirty="0" smtClean="0"/>
+              <a:t>региона</a:t>
             </a:r>
             <a:endParaRPr lang="en-US" sz="2000" dirty="0" smtClean="0"/>
           </a:p>
           <a:p>
-            <a:pPr marL="137160" indent="0">
-              <a:buNone/>
-            </a:pPr>
-            <a:endParaRPr lang="sr-Cyrl-RS" dirty="0"/>
-          </a:p>
-        </p:txBody>
-      </p:sp>
-      <p:pic>
-        <p:nvPicPr>
-          <p:cNvPr id="4" name="Picture 3"/>
-          <p:cNvPicPr>
-            <a:picLocks noChangeAspect="1"/>
-          </p:cNvPicPr>
-          <p:nvPr/>
-        </p:nvPicPr>
-        <p:blipFill>
-          <a:blip r:embed="rId2">
-            <a:extLst>
-              <a:ext uri="{28A0092B-C50C-407E-A947-70E740481C1C}">
-                <a14:useLocalDpi xmlns:a14="http://schemas.microsoft.com/office/drawing/2010/main" val="0"/>
-              </a:ext>
-            </a:extLst>
-          </a:blip>
-          <a:stretch>
-            <a:fillRect/>
-          </a:stretch>
-        </p:blipFill>
-        <p:spPr>
-          <a:xfrm>
-            <a:off x="395536" y="2996952"/>
-            <a:ext cx="8316416" cy="3704255"/>
-          </a:xfrm>
-          <a:prstGeom prst="rect">
-            <a:avLst/>
-          </a:prstGeom>
-        </p:spPr>
-      </p:pic>
+            <a:endParaRPr lang="en-US" dirty="0" smtClean="0"/>
+          </a:p>
+        </p:txBody>
+      </p:sp>
     </p:spTree>
     <p:extLst>
       <p:ext uri="{BB962C8B-B14F-4D97-AF65-F5344CB8AC3E}">
-        <p14:creationId xmlns:p14="http://schemas.microsoft.com/office/powerpoint/2010/main" val="3020079859"/>
+        <p14:creationId xmlns:p14="http://schemas.microsoft.com/office/powerpoint/2010/main" val="3012580023"/>
       </p:ext>
     </p:extLst>
   </p:cSld>
@@ -5037,13 +6696,25 @@
           <a:p>
             <a:r>
               <a:rPr lang="sr-Cyrl-RS" sz="2400" dirty="0" smtClean="0"/>
-              <a:t>Постоји још много техника.</a:t>
+              <a:t>Постоји још неколико техника.</a:t>
             </a:r>
           </a:p>
           <a:p>
             <a:r>
               <a:rPr lang="sr-Cyrl-RS" sz="2400" dirty="0" smtClean="0"/>
-              <a:t>Овде су издвојене две технике које су се показале као веома ефикасне, и једна техника која се показала најмање ефикасном.</a:t>
+              <a:t>Овде су издвојене само неке једноставније технике, које се најчешће примењују.</a:t>
+            </a:r>
+          </a:p>
+          <a:p>
+            <a:r>
+              <a:rPr lang="sr-Cyrl-RS" sz="2400" dirty="0" smtClean="0"/>
+              <a:t>Најбољи резултати би се добили уколико би користили неуронске мреже, пре свега конволутивне.</a:t>
+            </a:r>
+          </a:p>
+          <a:p>
+            <a:r>
+              <a:rPr lang="sr-Cyrl-RS" sz="2400" dirty="0" smtClean="0"/>
+              <a:t>О томе ће бити речи касније.</a:t>
             </a:r>
             <a:endParaRPr lang="sr-Cyrl-RS" sz="2400" dirty="0"/>
           </a:p>
